--- a/doc/TSS介绍.pptx
+++ b/doc/TSS介绍.pptx
@@ -1854,6 +1854,13 @@
         </dgm:presLayoutVars>
       </dgm:prSet>
       <dgm:spPr/>
+      <dgm:t>
+        <a:bodyPr/>
+        <a:lstStyle/>
+        <a:p>
+          <a:endParaRPr lang="zh-CN" altLang="en-US"/>
+        </a:p>
+      </dgm:t>
     </dgm:pt>
     <dgm:pt modelId="{6CB0D9BB-EFC3-7746-A415-129E1D2290F3}" type="pres">
       <dgm:prSet presAssocID="{9DFF51ED-031B-FC4C-8949-746746C98273}" presName="node" presStyleLbl="node1" presStyleIdx="0" presStyleCnt="6">
@@ -1873,10 +1880,24 @@
     <dgm:pt modelId="{22988304-C904-3740-96EE-5DA9D056FA37}" type="pres">
       <dgm:prSet presAssocID="{D1DFA743-9B2E-604F-90B1-39DDE90C956C}" presName="sibTrans" presStyleLbl="sibTrans2D1" presStyleIdx="0" presStyleCnt="6"/>
       <dgm:spPr/>
+      <dgm:t>
+        <a:bodyPr/>
+        <a:lstStyle/>
+        <a:p>
+          <a:endParaRPr lang="zh-CN" altLang="en-US"/>
+        </a:p>
+      </dgm:t>
     </dgm:pt>
     <dgm:pt modelId="{1D965001-48D9-C547-9477-C8E160914056}" type="pres">
       <dgm:prSet presAssocID="{D1DFA743-9B2E-604F-90B1-39DDE90C956C}" presName="connectorText" presStyleLbl="sibTrans2D1" presStyleIdx="0" presStyleCnt="6"/>
       <dgm:spPr/>
+      <dgm:t>
+        <a:bodyPr/>
+        <a:lstStyle/>
+        <a:p>
+          <a:endParaRPr lang="zh-CN" altLang="en-US"/>
+        </a:p>
+      </dgm:t>
     </dgm:pt>
     <dgm:pt modelId="{9C9AD482-9C57-2044-9BAE-1D94A02257A1}" type="pres">
       <dgm:prSet presAssocID="{148AF195-75C2-2A46-9433-2F68C95CD1D6}" presName="node" presStyleLbl="node1" presStyleIdx="1" presStyleCnt="6">
@@ -1885,14 +1906,35 @@
         </dgm:presLayoutVars>
       </dgm:prSet>
       <dgm:spPr/>
+      <dgm:t>
+        <a:bodyPr/>
+        <a:lstStyle/>
+        <a:p>
+          <a:endParaRPr lang="zh-CN" altLang="en-US"/>
+        </a:p>
+      </dgm:t>
     </dgm:pt>
     <dgm:pt modelId="{6A473314-20B3-FF4F-A37B-137C6C2A8057}" type="pres">
       <dgm:prSet presAssocID="{0CEE231C-7080-A747-BC97-7ADB643368D5}" presName="sibTrans" presStyleLbl="sibTrans2D1" presStyleIdx="1" presStyleCnt="6"/>
       <dgm:spPr/>
+      <dgm:t>
+        <a:bodyPr/>
+        <a:lstStyle/>
+        <a:p>
+          <a:endParaRPr lang="zh-CN" altLang="en-US"/>
+        </a:p>
+      </dgm:t>
     </dgm:pt>
     <dgm:pt modelId="{100CE463-8894-7649-A25C-2CC7BA1DC819}" type="pres">
       <dgm:prSet presAssocID="{0CEE231C-7080-A747-BC97-7ADB643368D5}" presName="connectorText" presStyleLbl="sibTrans2D1" presStyleIdx="1" presStyleCnt="6"/>
       <dgm:spPr/>
+      <dgm:t>
+        <a:bodyPr/>
+        <a:lstStyle/>
+        <a:p>
+          <a:endParaRPr lang="zh-CN" altLang="en-US"/>
+        </a:p>
+      </dgm:t>
     </dgm:pt>
     <dgm:pt modelId="{DB4D4BA7-33F7-2D4C-BBC1-68468FC89B38}" type="pres">
       <dgm:prSet presAssocID="{79117016-0106-244D-A466-609B5FCF3CC0}" presName="node" presStyleLbl="node1" presStyleIdx="2" presStyleCnt="6">
@@ -1901,14 +1943,35 @@
         </dgm:presLayoutVars>
       </dgm:prSet>
       <dgm:spPr/>
+      <dgm:t>
+        <a:bodyPr/>
+        <a:lstStyle/>
+        <a:p>
+          <a:endParaRPr lang="zh-CN" altLang="en-US"/>
+        </a:p>
+      </dgm:t>
     </dgm:pt>
     <dgm:pt modelId="{653A4ACD-F9B3-3642-9A28-BD2B7A572741}" type="pres">
       <dgm:prSet presAssocID="{BB8A07EB-E1F8-A44D-BF02-AF7BF0046F94}" presName="sibTrans" presStyleLbl="sibTrans2D1" presStyleIdx="2" presStyleCnt="6"/>
       <dgm:spPr/>
+      <dgm:t>
+        <a:bodyPr/>
+        <a:lstStyle/>
+        <a:p>
+          <a:endParaRPr lang="zh-CN" altLang="en-US"/>
+        </a:p>
+      </dgm:t>
     </dgm:pt>
     <dgm:pt modelId="{EA47C617-1634-EE4C-8E90-971BFE1ECD3C}" type="pres">
       <dgm:prSet presAssocID="{BB8A07EB-E1F8-A44D-BF02-AF7BF0046F94}" presName="connectorText" presStyleLbl="sibTrans2D1" presStyleIdx="2" presStyleCnt="6"/>
       <dgm:spPr/>
+      <dgm:t>
+        <a:bodyPr/>
+        <a:lstStyle/>
+        <a:p>
+          <a:endParaRPr lang="zh-CN" altLang="en-US"/>
+        </a:p>
+      </dgm:t>
     </dgm:pt>
     <dgm:pt modelId="{FC2CAB64-E508-6C49-95E8-DA462E8A046A}" type="pres">
       <dgm:prSet presAssocID="{C73836D9-FD50-E947-87FA-F8D073FD5FF9}" presName="node" presStyleLbl="node1" presStyleIdx="3" presStyleCnt="6">
@@ -1917,14 +1980,35 @@
         </dgm:presLayoutVars>
       </dgm:prSet>
       <dgm:spPr/>
+      <dgm:t>
+        <a:bodyPr/>
+        <a:lstStyle/>
+        <a:p>
+          <a:endParaRPr lang="zh-CN" altLang="en-US"/>
+        </a:p>
+      </dgm:t>
     </dgm:pt>
     <dgm:pt modelId="{BE6BD4A0-139A-9C4A-AA8E-AE318D4327F8}" type="pres">
       <dgm:prSet presAssocID="{88F9B3F9-E271-7344-ADA1-FAAAEAC5F5DB}" presName="sibTrans" presStyleLbl="sibTrans2D1" presStyleIdx="3" presStyleCnt="6"/>
       <dgm:spPr/>
+      <dgm:t>
+        <a:bodyPr/>
+        <a:lstStyle/>
+        <a:p>
+          <a:endParaRPr lang="zh-CN" altLang="en-US"/>
+        </a:p>
+      </dgm:t>
     </dgm:pt>
     <dgm:pt modelId="{B891B7C3-0EA7-1D4F-8261-F874FC0D6AFA}" type="pres">
       <dgm:prSet presAssocID="{88F9B3F9-E271-7344-ADA1-FAAAEAC5F5DB}" presName="connectorText" presStyleLbl="sibTrans2D1" presStyleIdx="3" presStyleCnt="6"/>
       <dgm:spPr/>
+      <dgm:t>
+        <a:bodyPr/>
+        <a:lstStyle/>
+        <a:p>
+          <a:endParaRPr lang="zh-CN" altLang="en-US"/>
+        </a:p>
+      </dgm:t>
     </dgm:pt>
     <dgm:pt modelId="{B2F06744-BFFE-3544-B3CC-9B67DD8D3E05}" type="pres">
       <dgm:prSet presAssocID="{6D33A902-CFBB-9643-B21B-D0B09094F73A}" presName="node" presStyleLbl="node1" presStyleIdx="4" presStyleCnt="6">
@@ -1933,14 +2017,35 @@
         </dgm:presLayoutVars>
       </dgm:prSet>
       <dgm:spPr/>
+      <dgm:t>
+        <a:bodyPr/>
+        <a:lstStyle/>
+        <a:p>
+          <a:endParaRPr lang="zh-CN" altLang="en-US"/>
+        </a:p>
+      </dgm:t>
     </dgm:pt>
     <dgm:pt modelId="{618DC36C-E7ED-B441-8E9E-2754DB5BDB28}" type="pres">
       <dgm:prSet presAssocID="{CC592924-6D0E-E241-82F9-FAD090F14B6B}" presName="sibTrans" presStyleLbl="sibTrans2D1" presStyleIdx="4" presStyleCnt="6"/>
       <dgm:spPr/>
+      <dgm:t>
+        <a:bodyPr/>
+        <a:lstStyle/>
+        <a:p>
+          <a:endParaRPr lang="zh-CN" altLang="en-US"/>
+        </a:p>
+      </dgm:t>
     </dgm:pt>
     <dgm:pt modelId="{BC61DC99-C6A4-924A-B2D0-A1483FED33A9}" type="pres">
       <dgm:prSet presAssocID="{CC592924-6D0E-E241-82F9-FAD090F14B6B}" presName="connectorText" presStyleLbl="sibTrans2D1" presStyleIdx="4" presStyleCnt="6"/>
       <dgm:spPr/>
+      <dgm:t>
+        <a:bodyPr/>
+        <a:lstStyle/>
+        <a:p>
+          <a:endParaRPr lang="zh-CN" altLang="en-US"/>
+        </a:p>
+      </dgm:t>
     </dgm:pt>
     <dgm:pt modelId="{72D5FF1F-8D6D-7245-8A63-17021042AF80}" type="pres">
       <dgm:prSet presAssocID="{040271C7-45F8-A84A-A66C-C7961DDF61EF}" presName="node" presStyleLbl="node1" presStyleIdx="5" presStyleCnt="6">
@@ -1960,10 +2065,24 @@
     <dgm:pt modelId="{FF4A1ABA-3387-B54B-8717-3E573031E2E9}" type="pres">
       <dgm:prSet presAssocID="{541B474F-037D-2348-83A7-4D509E139655}" presName="sibTrans" presStyleLbl="sibTrans2D1" presStyleIdx="5" presStyleCnt="6"/>
       <dgm:spPr/>
+      <dgm:t>
+        <a:bodyPr/>
+        <a:lstStyle/>
+        <a:p>
+          <a:endParaRPr lang="zh-CN" altLang="en-US"/>
+        </a:p>
+      </dgm:t>
     </dgm:pt>
     <dgm:pt modelId="{99E9611B-68D9-634C-B8D7-78149CB1C73E}" type="pres">
       <dgm:prSet presAssocID="{541B474F-037D-2348-83A7-4D509E139655}" presName="connectorText" presStyleLbl="sibTrans2D1" presStyleIdx="5" presStyleCnt="6"/>
       <dgm:spPr/>
+      <dgm:t>
+        <a:bodyPr/>
+        <a:lstStyle/>
+        <a:p>
+          <a:endParaRPr lang="zh-CN" altLang="en-US"/>
+        </a:p>
+      </dgm:t>
     </dgm:pt>
   </dgm:ptLst>
   <dgm:cxnLst>
@@ -1984,8 +2103,8 @@
     <dgm:cxn modelId="{FAA113D2-4889-724C-8A23-CF43A500C874}" type="presOf" srcId="{BB8A07EB-E1F8-A44D-BF02-AF7BF0046F94}" destId="{653A4ACD-F9B3-3642-9A28-BD2B7A572741}" srcOrd="0" destOrd="0" presId="urn:microsoft.com/office/officeart/2005/8/layout/cycle2"/>
     <dgm:cxn modelId="{DB65A523-032B-814F-B817-AFADDF2C74E5}" srcId="{DAE16B9D-0FED-BF42-9304-CCFE83D6D6FB}" destId="{040271C7-45F8-A84A-A66C-C7961DDF61EF}" srcOrd="5" destOrd="0" parTransId="{AC1BEF2A-8C3E-9D4E-AE52-C527EBEB5D03}" sibTransId="{541B474F-037D-2348-83A7-4D509E139655}"/>
     <dgm:cxn modelId="{26E45AF6-0429-1445-B7EF-027DABA3D41D}" type="presOf" srcId="{C73836D9-FD50-E947-87FA-F8D073FD5FF9}" destId="{FC2CAB64-E508-6C49-95E8-DA462E8A046A}" srcOrd="0" destOrd="0" presId="urn:microsoft.com/office/officeart/2005/8/layout/cycle2"/>
+    <dgm:cxn modelId="{90163B1D-F038-CB4C-9571-A49674EBDF7B}" type="presOf" srcId="{541B474F-037D-2348-83A7-4D509E139655}" destId="{99E9611B-68D9-634C-B8D7-78149CB1C73E}" srcOrd="1" destOrd="0" presId="urn:microsoft.com/office/officeart/2005/8/layout/cycle2"/>
     <dgm:cxn modelId="{E5DE01BC-951F-BD45-9614-58C2D96CDA62}" type="presOf" srcId="{D1DFA743-9B2E-604F-90B1-39DDE90C956C}" destId="{22988304-C904-3740-96EE-5DA9D056FA37}" srcOrd="0" destOrd="0" presId="urn:microsoft.com/office/officeart/2005/8/layout/cycle2"/>
-    <dgm:cxn modelId="{90163B1D-F038-CB4C-9571-A49674EBDF7B}" type="presOf" srcId="{541B474F-037D-2348-83A7-4D509E139655}" destId="{99E9611B-68D9-634C-B8D7-78149CB1C73E}" srcOrd="1" destOrd="0" presId="urn:microsoft.com/office/officeart/2005/8/layout/cycle2"/>
     <dgm:cxn modelId="{C97053B4-B0DE-4A4E-93C6-E6B048DB5B23}" type="presOf" srcId="{BB8A07EB-E1F8-A44D-BF02-AF7BF0046F94}" destId="{EA47C617-1634-EE4C-8E90-971BFE1ECD3C}" srcOrd="1" destOrd="0" presId="urn:microsoft.com/office/officeart/2005/8/layout/cycle2"/>
     <dgm:cxn modelId="{86404A7E-AB0F-F143-B470-FBE00B7511E4}" srcId="{DAE16B9D-0FED-BF42-9304-CCFE83D6D6FB}" destId="{9DFF51ED-031B-FC4C-8949-746746C98273}" srcOrd="0" destOrd="0" parTransId="{05BA8D51-C8FD-784E-80E3-EA21D17ACBA6}" sibTransId="{D1DFA743-9B2E-604F-90B1-39DDE90C956C}"/>
     <dgm:cxn modelId="{443C8819-CB81-0742-8CB5-C25DC8B6F412}" type="presOf" srcId="{6D33A902-CFBB-9643-B21B-D0B09094F73A}" destId="{B2F06744-BFFE-3544-B3CC-9B67DD8D3E05}" srcOrd="0" destOrd="0" presId="urn:microsoft.com/office/officeart/2005/8/layout/cycle2"/>
@@ -2192,6 +2311,13 @@
         </dgm:presLayoutVars>
       </dgm:prSet>
       <dgm:spPr/>
+      <dgm:t>
+        <a:bodyPr/>
+        <a:lstStyle/>
+        <a:p>
+          <a:endParaRPr lang="zh-CN" altLang="en-US"/>
+        </a:p>
+      </dgm:t>
     </dgm:pt>
     <dgm:pt modelId="{A0AD5345-AF13-6F49-93AA-86B71E777619}" type="pres">
       <dgm:prSet presAssocID="{13CEE797-EC25-2840-9E14-AF753D729B1C}" presName="dummyMaxCanvas" presStyleCnt="0">
@@ -2236,6 +2362,13 @@
         </dgm:presLayoutVars>
       </dgm:prSet>
       <dgm:spPr/>
+      <dgm:t>
+        <a:bodyPr/>
+        <a:lstStyle/>
+        <a:p>
+          <a:endParaRPr lang="zh-CN" altLang="en-US"/>
+        </a:p>
+      </dgm:t>
     </dgm:pt>
     <dgm:pt modelId="{083A12FC-7023-B14C-A7EC-F163188C9705}" type="pres">
       <dgm:prSet presAssocID="{13CEE797-EC25-2840-9E14-AF753D729B1C}" presName="FourNodes_4" presStyleLbl="node1" presStyleIdx="3" presStyleCnt="4">
@@ -2259,6 +2392,13 @@
         </dgm:presLayoutVars>
       </dgm:prSet>
       <dgm:spPr/>
+      <dgm:t>
+        <a:bodyPr/>
+        <a:lstStyle/>
+        <a:p>
+          <a:endParaRPr lang="zh-CN" altLang="en-US"/>
+        </a:p>
+      </dgm:t>
     </dgm:pt>
     <dgm:pt modelId="{8838D7D6-6CF3-F547-84B6-2B214BAB1DEE}" type="pres">
       <dgm:prSet presAssocID="{13CEE797-EC25-2840-9E14-AF753D729B1C}" presName="FourConn_2-3" presStyleLbl="fgAccFollowNode1" presStyleIdx="1" presStyleCnt="3">
@@ -2267,6 +2407,13 @@
         </dgm:presLayoutVars>
       </dgm:prSet>
       <dgm:spPr/>
+      <dgm:t>
+        <a:bodyPr/>
+        <a:lstStyle/>
+        <a:p>
+          <a:endParaRPr lang="zh-CN" altLang="en-US"/>
+        </a:p>
+      </dgm:t>
     </dgm:pt>
     <dgm:pt modelId="{AEBB08C9-61E6-C146-922F-C57266B3D825}" type="pres">
       <dgm:prSet presAssocID="{13CEE797-EC25-2840-9E14-AF753D729B1C}" presName="FourConn_3-4" presStyleLbl="fgAccFollowNode1" presStyleIdx="2" presStyleCnt="3">
@@ -2275,6 +2422,13 @@
         </dgm:presLayoutVars>
       </dgm:prSet>
       <dgm:spPr/>
+      <dgm:t>
+        <a:bodyPr/>
+        <a:lstStyle/>
+        <a:p>
+          <a:endParaRPr lang="zh-CN" altLang="en-US"/>
+        </a:p>
+      </dgm:t>
     </dgm:pt>
     <dgm:pt modelId="{98725C2E-BE62-4E46-8006-EE42EF1B18DB}" type="pres">
       <dgm:prSet presAssocID="{13CEE797-EC25-2840-9E14-AF753D729B1C}" presName="FourNodes_1_text" presStyleLbl="node1" presStyleIdx="3" presStyleCnt="4">
@@ -2313,6 +2467,13 @@
         </dgm:presLayoutVars>
       </dgm:prSet>
       <dgm:spPr/>
+      <dgm:t>
+        <a:bodyPr/>
+        <a:lstStyle/>
+        <a:p>
+          <a:endParaRPr lang="zh-CN" altLang="en-US"/>
+        </a:p>
+      </dgm:t>
     </dgm:pt>
     <dgm:pt modelId="{CC40DAA5-D126-2C4C-95D1-DC4C83937139}" type="pres">
       <dgm:prSet presAssocID="{13CEE797-EC25-2840-9E14-AF753D729B1C}" presName="FourNodes_4_text" presStyleLbl="node1" presStyleIdx="3" presStyleCnt="4">
@@ -2334,19 +2495,19 @@
     <dgm:cxn modelId="{3FB589E4-F0FA-3848-9E5A-DAF8073C7B58}" type="presOf" srcId="{13CEE797-EC25-2840-9E14-AF753D729B1C}" destId="{884262D5-C7B5-DB4A-85CE-CA621DF18046}" srcOrd="0" destOrd="0" presId="urn:microsoft.com/office/officeart/2005/8/layout/vProcess5"/>
     <dgm:cxn modelId="{45764027-FE24-454A-9A7F-660F95A4832A}" srcId="{13CEE797-EC25-2840-9E14-AF753D729B1C}" destId="{85BDC32B-5805-7B47-936F-8C8A98BD538B}" srcOrd="3" destOrd="0" parTransId="{7D22FF3F-575A-F94E-A718-BE3F0BB8F4B9}" sibTransId="{CEB5563B-CC2C-024E-8E9E-B317C10F24CD}"/>
     <dgm:cxn modelId="{06E9F224-BAC5-134F-B46D-7276C253D5C8}" type="presOf" srcId="{E50FB9C6-2446-2047-8929-9DAFD49E56AF}" destId="{490DFFAC-55AC-C141-A42D-4F370348A7A0}" srcOrd="1" destOrd="0" presId="urn:microsoft.com/office/officeart/2005/8/layout/vProcess5"/>
-    <dgm:cxn modelId="{30BFE726-6A42-C348-82C4-6EC003D9FA3C}" type="presOf" srcId="{85BDC32B-5805-7B47-936F-8C8A98BD538B}" destId="{CC40DAA5-D126-2C4C-95D1-DC4C83937139}" srcOrd="1" destOrd="0" presId="urn:microsoft.com/office/officeart/2005/8/layout/vProcess5"/>
-    <dgm:cxn modelId="{7ADDBA70-6219-014C-A81F-D0E1F07ED375}" srcId="{13CEE797-EC25-2840-9E14-AF753D729B1C}" destId="{83C728A1-102A-5749-BD87-B2F9F148C495}" srcOrd="2" destOrd="0" parTransId="{44B35C72-E873-E34A-B1FC-9E30F1BF486A}" sibTransId="{36516714-8162-5144-A8CC-C0753DB82913}"/>
+    <dgm:cxn modelId="{B43A889A-E3C6-BD4E-8E7F-6334B7626502}" type="presOf" srcId="{36516714-8162-5144-A8CC-C0753DB82913}" destId="{AEBB08C9-61E6-C146-922F-C57266B3D825}" srcOrd="0" destOrd="0" presId="urn:microsoft.com/office/officeart/2005/8/layout/vProcess5"/>
+    <dgm:cxn modelId="{95A99A0F-0963-214D-A218-49AED421131A}" type="presOf" srcId="{5D2985FC-6F7B-1049-9FA8-536DED263B26}" destId="{8838D7D6-6CF3-F547-84B6-2B214BAB1DEE}" srcOrd="0" destOrd="0" presId="urn:microsoft.com/office/officeart/2005/8/layout/vProcess5"/>
+    <dgm:cxn modelId="{BA09F8ED-E89A-FE45-96C4-032F95FA3A82}" type="presOf" srcId="{E50FB9C6-2446-2047-8929-9DAFD49E56AF}" destId="{4D25455D-C67A-1C4F-BB4D-FC72A3A282E7}" srcOrd="0" destOrd="0" presId="urn:microsoft.com/office/officeart/2005/8/layout/vProcess5"/>
+    <dgm:cxn modelId="{1E816642-21D8-274F-B73F-4A5B3D21E7B9}" srcId="{13CEE797-EC25-2840-9E14-AF753D729B1C}" destId="{41DA5D7B-4FE7-C141-BF0F-3E907BD2C294}" srcOrd="0" destOrd="0" parTransId="{99C118E5-5D36-1045-A1A3-CB3D6FC81E0B}" sibTransId="{3D695AD3-EC58-6B4A-BE03-F0AF4A1414E7}"/>
+    <dgm:cxn modelId="{854AB418-05E9-B543-B029-51B404674E71}" type="presOf" srcId="{83C728A1-102A-5749-BD87-B2F9F148C495}" destId="{8C4D8EF2-F1EC-2F42-A9D1-BA3BE347BB0A}" srcOrd="1" destOrd="0" presId="urn:microsoft.com/office/officeart/2005/8/layout/vProcess5"/>
+    <dgm:cxn modelId="{5C50A750-8361-B640-9E47-3BDA5275B400}" type="presOf" srcId="{3D695AD3-EC58-6B4A-BE03-F0AF4A1414E7}" destId="{EB647195-31B1-0148-9FC9-211F59EA83DA}" srcOrd="0" destOrd="0" presId="urn:microsoft.com/office/officeart/2005/8/layout/vProcess5"/>
     <dgm:cxn modelId="{8C73C2A5-03B2-F240-B2D9-265DC0B3FBD3}" type="presOf" srcId="{41DA5D7B-4FE7-C141-BF0F-3E907BD2C294}" destId="{55E5ACA5-479B-3947-9AC0-E3E7A75094AB}" srcOrd="0" destOrd="0" presId="urn:microsoft.com/office/officeart/2005/8/layout/vProcess5"/>
     <dgm:cxn modelId="{5D46E580-53BA-044D-AF19-A00BA37E0421}" type="presOf" srcId="{83C728A1-102A-5749-BD87-B2F9F148C495}" destId="{336B6967-A0CA-5241-AF04-3D67BBBC6615}" srcOrd="0" destOrd="0" presId="urn:microsoft.com/office/officeart/2005/8/layout/vProcess5"/>
-    <dgm:cxn modelId="{1E816642-21D8-274F-B73F-4A5B3D21E7B9}" srcId="{13CEE797-EC25-2840-9E14-AF753D729B1C}" destId="{41DA5D7B-4FE7-C141-BF0F-3E907BD2C294}" srcOrd="0" destOrd="0" parTransId="{99C118E5-5D36-1045-A1A3-CB3D6FC81E0B}" sibTransId="{3D695AD3-EC58-6B4A-BE03-F0AF4A1414E7}"/>
-    <dgm:cxn modelId="{B43A889A-E3C6-BD4E-8E7F-6334B7626502}" type="presOf" srcId="{36516714-8162-5144-A8CC-C0753DB82913}" destId="{AEBB08C9-61E6-C146-922F-C57266B3D825}" srcOrd="0" destOrd="0" presId="urn:microsoft.com/office/officeart/2005/8/layout/vProcess5"/>
-    <dgm:cxn modelId="{854AB418-05E9-B543-B029-51B404674E71}" type="presOf" srcId="{83C728A1-102A-5749-BD87-B2F9F148C495}" destId="{8C4D8EF2-F1EC-2F42-A9D1-BA3BE347BB0A}" srcOrd="1" destOrd="0" presId="urn:microsoft.com/office/officeart/2005/8/layout/vProcess5"/>
-    <dgm:cxn modelId="{BA09F8ED-E89A-FE45-96C4-032F95FA3A82}" type="presOf" srcId="{E50FB9C6-2446-2047-8929-9DAFD49E56AF}" destId="{4D25455D-C67A-1C4F-BB4D-FC72A3A282E7}" srcOrd="0" destOrd="0" presId="urn:microsoft.com/office/officeart/2005/8/layout/vProcess5"/>
     <dgm:cxn modelId="{B6048CC8-908E-3C42-833E-7B4BD958BE04}" srcId="{13CEE797-EC25-2840-9E14-AF753D729B1C}" destId="{E50FB9C6-2446-2047-8929-9DAFD49E56AF}" srcOrd="1" destOrd="0" parTransId="{442D992C-7699-AC4E-83FF-12C9AEE6B895}" sibTransId="{5D2985FC-6F7B-1049-9FA8-536DED263B26}"/>
+    <dgm:cxn modelId="{7ADDBA70-6219-014C-A81F-D0E1F07ED375}" srcId="{13CEE797-EC25-2840-9E14-AF753D729B1C}" destId="{83C728A1-102A-5749-BD87-B2F9F148C495}" srcOrd="2" destOrd="0" parTransId="{44B35C72-E873-E34A-B1FC-9E30F1BF486A}" sibTransId="{36516714-8162-5144-A8CC-C0753DB82913}"/>
     <dgm:cxn modelId="{D7595DFE-4F73-3A43-B2FA-D0046CB6E720}" type="presOf" srcId="{41DA5D7B-4FE7-C141-BF0F-3E907BD2C294}" destId="{98725C2E-BE62-4E46-8006-EE42EF1B18DB}" srcOrd="1" destOrd="0" presId="urn:microsoft.com/office/officeart/2005/8/layout/vProcess5"/>
     <dgm:cxn modelId="{9BD61650-E244-9E4D-869C-5EB4887AE144}" type="presOf" srcId="{85BDC32B-5805-7B47-936F-8C8A98BD538B}" destId="{083A12FC-7023-B14C-A7EC-F163188C9705}" srcOrd="0" destOrd="0" presId="urn:microsoft.com/office/officeart/2005/8/layout/vProcess5"/>
-    <dgm:cxn modelId="{95A99A0F-0963-214D-A218-49AED421131A}" type="presOf" srcId="{5D2985FC-6F7B-1049-9FA8-536DED263B26}" destId="{8838D7D6-6CF3-F547-84B6-2B214BAB1DEE}" srcOrd="0" destOrd="0" presId="urn:microsoft.com/office/officeart/2005/8/layout/vProcess5"/>
-    <dgm:cxn modelId="{5C50A750-8361-B640-9E47-3BDA5275B400}" type="presOf" srcId="{3D695AD3-EC58-6B4A-BE03-F0AF4A1414E7}" destId="{EB647195-31B1-0148-9FC9-211F59EA83DA}" srcOrd="0" destOrd="0" presId="urn:microsoft.com/office/officeart/2005/8/layout/vProcess5"/>
+    <dgm:cxn modelId="{30BFE726-6A42-C348-82C4-6EC003D9FA3C}" type="presOf" srcId="{85BDC32B-5805-7B47-936F-8C8A98BD538B}" destId="{CC40DAA5-D126-2C4C-95D1-DC4C83937139}" srcOrd="1" destOrd="0" presId="urn:microsoft.com/office/officeart/2005/8/layout/vProcess5"/>
     <dgm:cxn modelId="{4C108EFE-821E-7049-8A54-4F0258E226B1}" type="presParOf" srcId="{884262D5-C7B5-DB4A-85CE-CA621DF18046}" destId="{A0AD5345-AF13-6F49-93AA-86B71E777619}" srcOrd="0" destOrd="0" presId="urn:microsoft.com/office/officeart/2005/8/layout/vProcess5"/>
     <dgm:cxn modelId="{E0013851-4FC7-9242-81F3-B83568E7587E}" type="presParOf" srcId="{884262D5-C7B5-DB4A-85CE-CA621DF18046}" destId="{55E5ACA5-479B-3947-9AC0-E3E7A75094AB}" srcOrd="1" destOrd="0" presId="urn:microsoft.com/office/officeart/2005/8/layout/vProcess5"/>
     <dgm:cxn modelId="{3047F1A0-D60F-D144-B4ED-5F06009E13D0}" type="presParOf" srcId="{884262D5-C7B5-DB4A-85CE-CA621DF18046}" destId="{4D25455D-C67A-1C4F-BB4D-FC72A3A282E7}" srcOrd="2" destOrd="0" presId="urn:microsoft.com/office/officeart/2005/8/layout/vProcess5"/>
@@ -7733,7 +7894,7 @@
           <a:p>
             <a:fld id="{B86859C3-2692-784F-AC34-40A9E7B69405}" type="datetimeFigureOut">
               <a:rPr kumimoji="1" lang="zh-CN" altLang="en-US" smtClean="0"/>
-              <a:t>17/2/20</a:t>
+              <a:t>17/2/22</a:t>
             </a:fld>
             <a:endParaRPr kumimoji="1" lang="zh-CN" altLang="en-US"/>
           </a:p>
@@ -8054,8 +8215,18 @@
                 <a:ea typeface="+mn-ea"/>
                 <a:cs typeface="+mn-cs"/>
               </a:rPr>
-              <a:t>知其然，知其所以然</a:t>
-            </a:r>
+              <a:t>知其然，知其所以然；</a:t>
+            </a:r>
+            <a:endParaRPr lang="en-US" altLang="zh-CN" sz="1200" kern="1200" dirty="0" smtClean="0">
+              <a:solidFill>
+                <a:schemeClr val="tx1"/>
+              </a:solidFill>
+              <a:latin typeface="+mn-lt"/>
+              <a:ea typeface="+mn-ea"/>
+              <a:cs typeface="+mn-cs"/>
+            </a:endParaRPr>
+          </a:p>
+          <a:p>
             <a:r>
               <a:rPr lang="zh-CN" altLang="en-US" sz="1200" kern="1200" dirty="0" smtClean="0">
                 <a:solidFill>
@@ -8065,39 +8236,7 @@
                 <a:ea typeface="+mn-ea"/>
                 <a:cs typeface="+mn-cs"/>
               </a:rPr>
-              <a:t>；</a:t>
-            </a:r>
-            <a:endParaRPr lang="en-US" altLang="zh-CN" sz="1200" kern="1200" dirty="0" smtClean="0">
-              <a:solidFill>
-                <a:schemeClr val="tx1"/>
-              </a:solidFill>
-              <a:latin typeface="+mn-lt"/>
-              <a:ea typeface="+mn-ea"/>
-              <a:cs typeface="+mn-cs"/>
-            </a:endParaRPr>
-          </a:p>
-          <a:p>
-            <a:r>
-              <a:rPr lang="zh-CN" altLang="en-US" sz="1200" kern="1200" dirty="0" smtClean="0">
-                <a:solidFill>
-                  <a:schemeClr val="tx1"/>
-                </a:solidFill>
-                <a:latin typeface="+mn-lt"/>
-                <a:ea typeface="+mn-ea"/>
-                <a:cs typeface="+mn-cs"/>
-              </a:rPr>
-              <a:t>实践出真知</a:t>
-            </a:r>
-            <a:r>
-              <a:rPr lang="zh-CN" altLang="en-US" sz="1200" kern="1200" dirty="0" smtClean="0">
-                <a:solidFill>
-                  <a:schemeClr val="tx1"/>
-                </a:solidFill>
-                <a:latin typeface="+mn-lt"/>
-                <a:ea typeface="+mn-ea"/>
-                <a:cs typeface="+mn-cs"/>
-              </a:rPr>
-              <a:t>；</a:t>
+              <a:t>实践出真知；</a:t>
             </a:r>
             <a:endParaRPr kumimoji="1" lang="zh-CN" altLang="en-US" dirty="0"/>
           </a:p>
@@ -8675,13 +8814,7 @@
               <a:rPr kumimoji="1" lang="zh-CN" altLang="en-US" smtClean="0">
                 <a:sym typeface="Wingdings"/>
               </a:rPr>
-              <a:t></a:t>
-            </a:r>
-            <a:r>
-              <a:rPr kumimoji="1" lang="zh-CN" altLang="en-US" smtClean="0">
-                <a:sym typeface="Wingdings"/>
-              </a:rPr>
-              <a:t> 它山石</a:t>
+              <a:t> 它山石</a:t>
             </a:r>
             <a:endParaRPr kumimoji="1" lang="zh-CN" altLang="en-US" dirty="0"/>
           </a:p>
@@ -8820,6 +8953,90 @@
     <p:extLst>
       <p:ext uri="{BB962C8B-B14F-4D97-AF65-F5344CB8AC3E}">
         <p14:creationId xmlns:p14="http://schemas.microsoft.com/office/powerpoint/2010/main" val="747145459"/>
+      </p:ext>
+    </p:extLst>
+  </p:cSld>
+  <p:clrMapOvr>
+    <a:masterClrMapping/>
+  </p:clrMapOvr>
+</p:notes>
+</file>
+
+<file path=ppt/notesSlides/notesSlide6.xml><?xml version="1.0" encoding="utf-8"?>
+<p:notes xmlns:a="http://schemas.openxmlformats.org/drawingml/2006/main" xmlns:r="http://schemas.openxmlformats.org/officeDocument/2006/relationships" xmlns:p="http://schemas.openxmlformats.org/presentationml/2006/main">
+  <p:cSld>
+    <p:spTree>
+      <p:nvGrpSpPr>
+        <p:cNvPr id="1" name=""/>
+        <p:cNvGrpSpPr/>
+        <p:nvPr/>
+      </p:nvGrpSpPr>
+      <p:grpSpPr>
+        <a:xfrm>
+          <a:off x="0" y="0"/>
+          <a:ext cx="0" cy="0"/>
+          <a:chOff x="0" y="0"/>
+          <a:chExt cx="0" cy="0"/>
+        </a:xfrm>
+      </p:grpSpPr>
+      <p:sp>
+        <p:nvSpPr>
+          <p:cNvPr id="2" name="幻灯片图像占位符 1"/>
+          <p:cNvSpPr>
+            <a:spLocks noGrp="1" noRot="1" noChangeAspect="1"/>
+          </p:cNvSpPr>
+          <p:nvPr>
+            <p:ph type="sldImg"/>
+          </p:nvPr>
+        </p:nvSpPr>
+        <p:spPr/>
+      </p:sp>
+      <p:sp>
+        <p:nvSpPr>
+          <p:cNvPr id="3" name="备注占位符 2"/>
+          <p:cNvSpPr>
+            <a:spLocks noGrp="1"/>
+          </p:cNvSpPr>
+          <p:nvPr>
+            <p:ph type="body" idx="1"/>
+          </p:nvPr>
+        </p:nvSpPr>
+        <p:spPr/>
+        <p:txBody>
+          <a:bodyPr/>
+          <a:lstStyle/>
+          <a:p>
+            <a:endParaRPr kumimoji="1" lang="zh-CN" altLang="en-US"/>
+          </a:p>
+        </p:txBody>
+      </p:sp>
+      <p:sp>
+        <p:nvSpPr>
+          <p:cNvPr id="4" name="幻灯片编号占位符 3"/>
+          <p:cNvSpPr>
+            <a:spLocks noGrp="1"/>
+          </p:cNvSpPr>
+          <p:nvPr>
+            <p:ph type="sldNum" sz="quarter" idx="10"/>
+          </p:nvPr>
+        </p:nvSpPr>
+        <p:spPr/>
+        <p:txBody>
+          <a:bodyPr/>
+          <a:lstStyle/>
+          <a:p>
+            <a:fld id="{30E5BD0C-2667-BA41-90C5-58CB9DE5FD83}" type="slidenum">
+              <a:rPr kumimoji="1" lang="zh-CN" altLang="en-US" smtClean="0"/>
+              <a:t>7</a:t>
+            </a:fld>
+            <a:endParaRPr kumimoji="1" lang="zh-CN" altLang="en-US"/>
+          </a:p>
+        </p:txBody>
+      </p:sp>
+    </p:spTree>
+    <p:extLst>
+      <p:ext uri="{BB962C8B-B14F-4D97-AF65-F5344CB8AC3E}">
+        <p14:creationId xmlns:p14="http://schemas.microsoft.com/office/powerpoint/2010/main" val="342659352"/>
       </p:ext>
     </p:extLst>
   </p:cSld>
@@ -9010,7 +9227,7 @@
           <a:p>
             <a:fld id="{D7B12BEA-236C-5749-AF49-060B228B08C5}" type="datetimeFigureOut">
               <a:rPr kumimoji="1" lang="zh-CN" altLang="en-US" smtClean="0"/>
-              <a:t>17/2/20</a:t>
+              <a:t>17/2/22</a:t>
             </a:fld>
             <a:endParaRPr kumimoji="1" lang="zh-CN" altLang="en-US"/>
           </a:p>
@@ -9180,7 +9397,7 @@
           <a:p>
             <a:fld id="{D7B12BEA-236C-5749-AF49-060B228B08C5}" type="datetimeFigureOut">
               <a:rPr kumimoji="1" lang="zh-CN" altLang="en-US" smtClean="0"/>
-              <a:t>17/2/20</a:t>
+              <a:t>17/2/22</a:t>
             </a:fld>
             <a:endParaRPr kumimoji="1" lang="zh-CN" altLang="en-US"/>
           </a:p>
@@ -9360,7 +9577,7 @@
           <a:p>
             <a:fld id="{D7B12BEA-236C-5749-AF49-060B228B08C5}" type="datetimeFigureOut">
               <a:rPr kumimoji="1" lang="zh-CN" altLang="en-US" smtClean="0"/>
-              <a:t>17/2/20</a:t>
+              <a:t>17/2/22</a:t>
             </a:fld>
             <a:endParaRPr kumimoji="1" lang="zh-CN" altLang="en-US"/>
           </a:p>
@@ -9530,7 +9747,7 @@
           <a:p>
             <a:fld id="{D7B12BEA-236C-5749-AF49-060B228B08C5}" type="datetimeFigureOut">
               <a:rPr kumimoji="1" lang="zh-CN" altLang="en-US" smtClean="0"/>
-              <a:t>17/2/20</a:t>
+              <a:t>17/2/22</a:t>
             </a:fld>
             <a:endParaRPr kumimoji="1" lang="zh-CN" altLang="en-US"/>
           </a:p>
@@ -9776,7 +9993,7 @@
           <a:p>
             <a:fld id="{D7B12BEA-236C-5749-AF49-060B228B08C5}" type="datetimeFigureOut">
               <a:rPr kumimoji="1" lang="zh-CN" altLang="en-US" smtClean="0"/>
-              <a:t>17/2/20</a:t>
+              <a:t>17/2/22</a:t>
             </a:fld>
             <a:endParaRPr kumimoji="1" lang="zh-CN" altLang="en-US"/>
           </a:p>
@@ -10064,7 +10281,7 @@
           <a:p>
             <a:fld id="{D7B12BEA-236C-5749-AF49-060B228B08C5}" type="datetimeFigureOut">
               <a:rPr kumimoji="1" lang="zh-CN" altLang="en-US" smtClean="0"/>
-              <a:t>17/2/20</a:t>
+              <a:t>17/2/22</a:t>
             </a:fld>
             <a:endParaRPr kumimoji="1" lang="zh-CN" altLang="en-US"/>
           </a:p>
@@ -10486,7 +10703,7 @@
           <a:p>
             <a:fld id="{D7B12BEA-236C-5749-AF49-060B228B08C5}" type="datetimeFigureOut">
               <a:rPr kumimoji="1" lang="zh-CN" altLang="en-US" smtClean="0"/>
-              <a:t>17/2/20</a:t>
+              <a:t>17/2/22</a:t>
             </a:fld>
             <a:endParaRPr kumimoji="1" lang="zh-CN" altLang="en-US"/>
           </a:p>
@@ -10604,7 +10821,7 @@
           <a:p>
             <a:fld id="{D7B12BEA-236C-5749-AF49-060B228B08C5}" type="datetimeFigureOut">
               <a:rPr kumimoji="1" lang="zh-CN" altLang="en-US" smtClean="0"/>
-              <a:t>17/2/20</a:t>
+              <a:t>17/2/22</a:t>
             </a:fld>
             <a:endParaRPr kumimoji="1" lang="zh-CN" altLang="en-US"/>
           </a:p>
@@ -10699,7 +10916,7 @@
           <a:p>
             <a:fld id="{D7B12BEA-236C-5749-AF49-060B228B08C5}" type="datetimeFigureOut">
               <a:rPr kumimoji="1" lang="zh-CN" altLang="en-US" smtClean="0"/>
-              <a:t>17/2/20</a:t>
+              <a:t>17/2/22</a:t>
             </a:fld>
             <a:endParaRPr kumimoji="1" lang="zh-CN" altLang="en-US"/>
           </a:p>
@@ -10976,7 +11193,7 @@
           <a:p>
             <a:fld id="{D7B12BEA-236C-5749-AF49-060B228B08C5}" type="datetimeFigureOut">
               <a:rPr kumimoji="1" lang="zh-CN" altLang="en-US" smtClean="0"/>
-              <a:t>17/2/20</a:t>
+              <a:t>17/2/22</a:t>
             </a:fld>
             <a:endParaRPr kumimoji="1" lang="zh-CN" altLang="en-US"/>
           </a:p>
@@ -11229,7 +11446,7 @@
           <a:p>
             <a:fld id="{D7B12BEA-236C-5749-AF49-060B228B08C5}" type="datetimeFigureOut">
               <a:rPr kumimoji="1" lang="zh-CN" altLang="en-US" smtClean="0"/>
-              <a:t>17/2/20</a:t>
+              <a:t>17/2/22</a:t>
             </a:fld>
             <a:endParaRPr kumimoji="1" lang="zh-CN" altLang="en-US"/>
           </a:p>
@@ -11442,7 +11659,7 @@
           <a:p>
             <a:fld id="{D7B12BEA-236C-5749-AF49-060B228B08C5}" type="datetimeFigureOut">
               <a:rPr kumimoji="1" lang="zh-CN" altLang="en-US" smtClean="0"/>
-              <a:t>17/2/20</a:t>
+              <a:t>17/2/22</a:t>
             </a:fld>
             <a:endParaRPr kumimoji="1" lang="zh-CN" altLang="en-US"/>
           </a:p>
@@ -12316,11 +12533,7 @@
           <a:p>
             <a:r>
               <a:rPr kumimoji="1" lang="zh-CN" altLang="en-US" dirty="0" smtClean="0"/>
-              <a:t>打造</a:t>
-            </a:r>
-            <a:r>
-              <a:rPr kumimoji="1" lang="zh-CN" altLang="en-US" dirty="0" smtClean="0"/>
-              <a:t>数据产品</a:t>
+              <a:t>打造数据产品</a:t>
             </a:r>
             <a:endParaRPr kumimoji="1" lang="zh-CN" altLang="en-US" dirty="0"/>
           </a:p>
@@ -12482,7 +12695,71 @@
           <a:bodyPr/>
           <a:lstStyle/>
           <a:p>
-            <a:endParaRPr kumimoji="1" lang="zh-CN" altLang="en-US"/>
+            <a:r>
+              <a:rPr kumimoji="1" lang="en-US" altLang="zh-CN" dirty="0" smtClean="0"/>
+              <a:t>TSS</a:t>
+            </a:r>
+            <a:r>
+              <a:rPr kumimoji="1" lang="zh-CN" altLang="en-US" dirty="0" smtClean="0"/>
+              <a:t> </a:t>
+            </a:r>
+            <a:r>
+              <a:rPr kumimoji="1" lang="en-US" altLang="zh-CN" dirty="0" smtClean="0"/>
+              <a:t>FAQ</a:t>
+            </a:r>
+            <a:r>
+              <a:rPr kumimoji="1" lang="zh-CN" altLang="en-US" dirty="0" smtClean="0"/>
+              <a:t>：常见问题及解决办法</a:t>
+            </a:r>
+            <a:endParaRPr kumimoji="1" lang="en-US" altLang="zh-CN" dirty="0" smtClean="0"/>
+          </a:p>
+          <a:p>
+            <a:r>
+              <a:rPr kumimoji="1" lang="en-US" altLang="zh-CN" dirty="0" smtClean="0"/>
+              <a:t>TSS</a:t>
+            </a:r>
+            <a:r>
+              <a:rPr kumimoji="1" lang="zh-CN" altLang="en-US" dirty="0" smtClean="0"/>
+              <a:t> </a:t>
+            </a:r>
+            <a:r>
+              <a:rPr kumimoji="1" lang="en-US" altLang="zh-CN" dirty="0" smtClean="0"/>
+              <a:t>API </a:t>
+            </a:r>
+            <a:r>
+              <a:rPr kumimoji="1" lang="en-US" altLang="en-US" dirty="0" smtClean="0"/>
+              <a:t>接口</a:t>
+            </a:r>
+            <a:r>
+              <a:rPr kumimoji="1" lang="zh-CN" altLang="en-US" dirty="0" smtClean="0"/>
+              <a:t>说明</a:t>
+            </a:r>
+            <a:endParaRPr kumimoji="1" lang="en-US" altLang="en-US" dirty="0" smtClean="0"/>
+          </a:p>
+          <a:p>
+            <a:r>
+              <a:rPr kumimoji="1" lang="en-US" altLang="en-US" dirty="0" err="1" smtClean="0"/>
+              <a:t>tssJS方法说明</a:t>
+            </a:r>
+            <a:endParaRPr kumimoji="1" lang="en-US" altLang="en-US" dirty="0" smtClean="0"/>
+          </a:p>
+          <a:p>
+            <a:r>
+              <a:rPr kumimoji="1" lang="en-US" altLang="zh-CN" dirty="0"/>
+              <a:t>TSS</a:t>
+            </a:r>
+            <a:r>
+              <a:rPr kumimoji="1" lang="zh-CN" altLang="en-US" dirty="0"/>
+              <a:t>用户操作手册</a:t>
+            </a:r>
+            <a:endParaRPr kumimoji="1" lang="en-US" altLang="en-US" dirty="0" smtClean="0"/>
+          </a:p>
+          <a:p>
+            <a:r>
+              <a:rPr kumimoji="1" lang="zh-CN" altLang="en-US" dirty="0" smtClean="0"/>
+              <a:t>案例</a:t>
+            </a:r>
+            <a:endParaRPr kumimoji="1" lang="zh-CN" altLang="en-US" dirty="0"/>
           </a:p>
         </p:txBody>
       </p:sp>

--- a/doc/TSS介绍.pptx
+++ b/doc/TSS介绍.pptx
@@ -5,16 +5,18 @@
     <p:sldMasterId id="2147483648" r:id="rId1"/>
   </p:sldMasterIdLst>
   <p:notesMasterIdLst>
-    <p:notesMasterId r:id="rId9"/>
+    <p:notesMasterId r:id="rId11"/>
   </p:notesMasterIdLst>
   <p:sldIdLst>
     <p:sldId id="256" r:id="rId2"/>
-    <p:sldId id="258" r:id="rId3"/>
-    <p:sldId id="259" r:id="rId4"/>
-    <p:sldId id="260" r:id="rId5"/>
-    <p:sldId id="261" r:id="rId6"/>
-    <p:sldId id="262" r:id="rId7"/>
-    <p:sldId id="263" r:id="rId8"/>
+    <p:sldId id="259" r:id="rId3"/>
+    <p:sldId id="260" r:id="rId4"/>
+    <p:sldId id="258" r:id="rId5"/>
+    <p:sldId id="265" r:id="rId6"/>
+    <p:sldId id="264" r:id="rId7"/>
+    <p:sldId id="261" r:id="rId8"/>
+    <p:sldId id="262" r:id="rId9"/>
+    <p:sldId id="263" r:id="rId10"/>
   </p:sldIdLst>
   <p:sldSz cx="9144000" cy="6858000" type="screen4x3"/>
   <p:notesSz cx="6858000" cy="9144000"/>
@@ -2494,32 +2496,32 @@
   <dgm:cxnLst>
     <dgm:cxn modelId="{3FB589E4-F0FA-3848-9E5A-DAF8073C7B58}" type="presOf" srcId="{13CEE797-EC25-2840-9E14-AF753D729B1C}" destId="{884262D5-C7B5-DB4A-85CE-CA621DF18046}" srcOrd="0" destOrd="0" presId="urn:microsoft.com/office/officeart/2005/8/layout/vProcess5"/>
     <dgm:cxn modelId="{45764027-FE24-454A-9A7F-660F95A4832A}" srcId="{13CEE797-EC25-2840-9E14-AF753D729B1C}" destId="{85BDC32B-5805-7B47-936F-8C8A98BD538B}" srcOrd="3" destOrd="0" parTransId="{7D22FF3F-575A-F94E-A718-BE3F0BB8F4B9}" sibTransId="{CEB5563B-CC2C-024E-8E9E-B317C10F24CD}"/>
-    <dgm:cxn modelId="{06E9F224-BAC5-134F-B46D-7276C253D5C8}" type="presOf" srcId="{E50FB9C6-2446-2047-8929-9DAFD49E56AF}" destId="{490DFFAC-55AC-C141-A42D-4F370348A7A0}" srcOrd="1" destOrd="0" presId="urn:microsoft.com/office/officeart/2005/8/layout/vProcess5"/>
-    <dgm:cxn modelId="{B43A889A-E3C6-BD4E-8E7F-6334B7626502}" type="presOf" srcId="{36516714-8162-5144-A8CC-C0753DB82913}" destId="{AEBB08C9-61E6-C146-922F-C57266B3D825}" srcOrd="0" destOrd="0" presId="urn:microsoft.com/office/officeart/2005/8/layout/vProcess5"/>
-    <dgm:cxn modelId="{95A99A0F-0963-214D-A218-49AED421131A}" type="presOf" srcId="{5D2985FC-6F7B-1049-9FA8-536DED263B26}" destId="{8838D7D6-6CF3-F547-84B6-2B214BAB1DEE}" srcOrd="0" destOrd="0" presId="urn:microsoft.com/office/officeart/2005/8/layout/vProcess5"/>
-    <dgm:cxn modelId="{BA09F8ED-E89A-FE45-96C4-032F95FA3A82}" type="presOf" srcId="{E50FB9C6-2446-2047-8929-9DAFD49E56AF}" destId="{4D25455D-C67A-1C4F-BB4D-FC72A3A282E7}" srcOrd="0" destOrd="0" presId="urn:microsoft.com/office/officeart/2005/8/layout/vProcess5"/>
     <dgm:cxn modelId="{1E816642-21D8-274F-B73F-4A5B3D21E7B9}" srcId="{13CEE797-EC25-2840-9E14-AF753D729B1C}" destId="{41DA5D7B-4FE7-C141-BF0F-3E907BD2C294}" srcOrd="0" destOrd="0" parTransId="{99C118E5-5D36-1045-A1A3-CB3D6FC81E0B}" sibTransId="{3D695AD3-EC58-6B4A-BE03-F0AF4A1414E7}"/>
-    <dgm:cxn modelId="{854AB418-05E9-B543-B029-51B404674E71}" type="presOf" srcId="{83C728A1-102A-5749-BD87-B2F9F148C495}" destId="{8C4D8EF2-F1EC-2F42-A9D1-BA3BE347BB0A}" srcOrd="1" destOrd="0" presId="urn:microsoft.com/office/officeart/2005/8/layout/vProcess5"/>
-    <dgm:cxn modelId="{5C50A750-8361-B640-9E47-3BDA5275B400}" type="presOf" srcId="{3D695AD3-EC58-6B4A-BE03-F0AF4A1414E7}" destId="{EB647195-31B1-0148-9FC9-211F59EA83DA}" srcOrd="0" destOrd="0" presId="urn:microsoft.com/office/officeart/2005/8/layout/vProcess5"/>
-    <dgm:cxn modelId="{8C73C2A5-03B2-F240-B2D9-265DC0B3FBD3}" type="presOf" srcId="{41DA5D7B-4FE7-C141-BF0F-3E907BD2C294}" destId="{55E5ACA5-479B-3947-9AC0-E3E7A75094AB}" srcOrd="0" destOrd="0" presId="urn:microsoft.com/office/officeart/2005/8/layout/vProcess5"/>
-    <dgm:cxn modelId="{5D46E580-53BA-044D-AF19-A00BA37E0421}" type="presOf" srcId="{83C728A1-102A-5749-BD87-B2F9F148C495}" destId="{336B6967-A0CA-5241-AF04-3D67BBBC6615}" srcOrd="0" destOrd="0" presId="urn:microsoft.com/office/officeart/2005/8/layout/vProcess5"/>
+    <dgm:cxn modelId="{D2B96F92-9A1D-8F4D-A9AE-CB3E69037046}" type="presOf" srcId="{83C728A1-102A-5749-BD87-B2F9F148C495}" destId="{8C4D8EF2-F1EC-2F42-A9D1-BA3BE347BB0A}" srcOrd="1" destOrd="0" presId="urn:microsoft.com/office/officeart/2005/8/layout/vProcess5"/>
+    <dgm:cxn modelId="{689CD42E-1B73-E74A-860E-C77359FEEDDF}" type="presOf" srcId="{E50FB9C6-2446-2047-8929-9DAFD49E56AF}" destId="{490DFFAC-55AC-C141-A42D-4F370348A7A0}" srcOrd="1" destOrd="0" presId="urn:microsoft.com/office/officeart/2005/8/layout/vProcess5"/>
+    <dgm:cxn modelId="{48B83CEB-A7E9-2140-B256-D4CC7BB80AD9}" type="presOf" srcId="{36516714-8162-5144-A8CC-C0753DB82913}" destId="{AEBB08C9-61E6-C146-922F-C57266B3D825}" srcOrd="0" destOrd="0" presId="urn:microsoft.com/office/officeart/2005/8/layout/vProcess5"/>
+    <dgm:cxn modelId="{A4AEDF06-7C20-0348-BF02-D84F0CD2CF54}" type="presOf" srcId="{41DA5D7B-4FE7-C141-BF0F-3E907BD2C294}" destId="{98725C2E-BE62-4E46-8006-EE42EF1B18DB}" srcOrd="1" destOrd="0" presId="urn:microsoft.com/office/officeart/2005/8/layout/vProcess5"/>
+    <dgm:cxn modelId="{B234DE61-9DB3-F34A-A7A0-86AA6D2A9DA3}" type="presOf" srcId="{85BDC32B-5805-7B47-936F-8C8A98BD538B}" destId="{083A12FC-7023-B14C-A7EC-F163188C9705}" srcOrd="0" destOrd="0" presId="urn:microsoft.com/office/officeart/2005/8/layout/vProcess5"/>
     <dgm:cxn modelId="{B6048CC8-908E-3C42-833E-7B4BD958BE04}" srcId="{13CEE797-EC25-2840-9E14-AF753D729B1C}" destId="{E50FB9C6-2446-2047-8929-9DAFD49E56AF}" srcOrd="1" destOrd="0" parTransId="{442D992C-7699-AC4E-83FF-12C9AEE6B895}" sibTransId="{5D2985FC-6F7B-1049-9FA8-536DED263B26}"/>
+    <dgm:cxn modelId="{F0DC6922-D2D1-0048-A518-1A7452CDB9A8}" type="presOf" srcId="{41DA5D7B-4FE7-C141-BF0F-3E907BD2C294}" destId="{55E5ACA5-479B-3947-9AC0-E3E7A75094AB}" srcOrd="0" destOrd="0" presId="urn:microsoft.com/office/officeart/2005/8/layout/vProcess5"/>
+    <dgm:cxn modelId="{FF996C2A-5616-824F-B0AD-0B08DD54278B}" type="presOf" srcId="{3D695AD3-EC58-6B4A-BE03-F0AF4A1414E7}" destId="{EB647195-31B1-0148-9FC9-211F59EA83DA}" srcOrd="0" destOrd="0" presId="urn:microsoft.com/office/officeart/2005/8/layout/vProcess5"/>
     <dgm:cxn modelId="{7ADDBA70-6219-014C-A81F-D0E1F07ED375}" srcId="{13CEE797-EC25-2840-9E14-AF753D729B1C}" destId="{83C728A1-102A-5749-BD87-B2F9F148C495}" srcOrd="2" destOrd="0" parTransId="{44B35C72-E873-E34A-B1FC-9E30F1BF486A}" sibTransId="{36516714-8162-5144-A8CC-C0753DB82913}"/>
-    <dgm:cxn modelId="{D7595DFE-4F73-3A43-B2FA-D0046CB6E720}" type="presOf" srcId="{41DA5D7B-4FE7-C141-BF0F-3E907BD2C294}" destId="{98725C2E-BE62-4E46-8006-EE42EF1B18DB}" srcOrd="1" destOrd="0" presId="urn:microsoft.com/office/officeart/2005/8/layout/vProcess5"/>
-    <dgm:cxn modelId="{9BD61650-E244-9E4D-869C-5EB4887AE144}" type="presOf" srcId="{85BDC32B-5805-7B47-936F-8C8A98BD538B}" destId="{083A12FC-7023-B14C-A7EC-F163188C9705}" srcOrd="0" destOrd="0" presId="urn:microsoft.com/office/officeart/2005/8/layout/vProcess5"/>
-    <dgm:cxn modelId="{30BFE726-6A42-C348-82C4-6EC003D9FA3C}" type="presOf" srcId="{85BDC32B-5805-7B47-936F-8C8A98BD538B}" destId="{CC40DAA5-D126-2C4C-95D1-DC4C83937139}" srcOrd="1" destOrd="0" presId="urn:microsoft.com/office/officeart/2005/8/layout/vProcess5"/>
-    <dgm:cxn modelId="{4C108EFE-821E-7049-8A54-4F0258E226B1}" type="presParOf" srcId="{884262D5-C7B5-DB4A-85CE-CA621DF18046}" destId="{A0AD5345-AF13-6F49-93AA-86B71E777619}" srcOrd="0" destOrd="0" presId="urn:microsoft.com/office/officeart/2005/8/layout/vProcess5"/>
-    <dgm:cxn modelId="{E0013851-4FC7-9242-81F3-B83568E7587E}" type="presParOf" srcId="{884262D5-C7B5-DB4A-85CE-CA621DF18046}" destId="{55E5ACA5-479B-3947-9AC0-E3E7A75094AB}" srcOrd="1" destOrd="0" presId="urn:microsoft.com/office/officeart/2005/8/layout/vProcess5"/>
-    <dgm:cxn modelId="{3047F1A0-D60F-D144-B4ED-5F06009E13D0}" type="presParOf" srcId="{884262D5-C7B5-DB4A-85CE-CA621DF18046}" destId="{4D25455D-C67A-1C4F-BB4D-FC72A3A282E7}" srcOrd="2" destOrd="0" presId="urn:microsoft.com/office/officeart/2005/8/layout/vProcess5"/>
-    <dgm:cxn modelId="{E8A67F4A-0024-C04B-98A1-F109A8B326EB}" type="presParOf" srcId="{884262D5-C7B5-DB4A-85CE-CA621DF18046}" destId="{336B6967-A0CA-5241-AF04-3D67BBBC6615}" srcOrd="3" destOrd="0" presId="urn:microsoft.com/office/officeart/2005/8/layout/vProcess5"/>
-    <dgm:cxn modelId="{EE6DEC9F-14F1-9948-8D2C-B60607261E20}" type="presParOf" srcId="{884262D5-C7B5-DB4A-85CE-CA621DF18046}" destId="{083A12FC-7023-B14C-A7EC-F163188C9705}" srcOrd="4" destOrd="0" presId="urn:microsoft.com/office/officeart/2005/8/layout/vProcess5"/>
-    <dgm:cxn modelId="{97349610-BA79-3D48-AF65-A9A1CBC9651B}" type="presParOf" srcId="{884262D5-C7B5-DB4A-85CE-CA621DF18046}" destId="{EB647195-31B1-0148-9FC9-211F59EA83DA}" srcOrd="5" destOrd="0" presId="urn:microsoft.com/office/officeart/2005/8/layout/vProcess5"/>
-    <dgm:cxn modelId="{855B7731-BA39-F04B-89D4-E08FAB467518}" type="presParOf" srcId="{884262D5-C7B5-DB4A-85CE-CA621DF18046}" destId="{8838D7D6-6CF3-F547-84B6-2B214BAB1DEE}" srcOrd="6" destOrd="0" presId="urn:microsoft.com/office/officeart/2005/8/layout/vProcess5"/>
-    <dgm:cxn modelId="{C5FBFE88-5AE4-1C46-BD36-4B1B7DF37F29}" type="presParOf" srcId="{884262D5-C7B5-DB4A-85CE-CA621DF18046}" destId="{AEBB08C9-61E6-C146-922F-C57266B3D825}" srcOrd="7" destOrd="0" presId="urn:microsoft.com/office/officeart/2005/8/layout/vProcess5"/>
-    <dgm:cxn modelId="{92DE4292-323D-B84C-800A-AFD82C28DEC0}" type="presParOf" srcId="{884262D5-C7B5-DB4A-85CE-CA621DF18046}" destId="{98725C2E-BE62-4E46-8006-EE42EF1B18DB}" srcOrd="8" destOrd="0" presId="urn:microsoft.com/office/officeart/2005/8/layout/vProcess5"/>
-    <dgm:cxn modelId="{8316E0E2-C1DA-F643-93D2-61CA717B26CF}" type="presParOf" srcId="{884262D5-C7B5-DB4A-85CE-CA621DF18046}" destId="{490DFFAC-55AC-C141-A42D-4F370348A7A0}" srcOrd="9" destOrd="0" presId="urn:microsoft.com/office/officeart/2005/8/layout/vProcess5"/>
-    <dgm:cxn modelId="{6165CA4F-74E7-8D4F-B14C-7FC060F81330}" type="presParOf" srcId="{884262D5-C7B5-DB4A-85CE-CA621DF18046}" destId="{8C4D8EF2-F1EC-2F42-A9D1-BA3BE347BB0A}" srcOrd="10" destOrd="0" presId="urn:microsoft.com/office/officeart/2005/8/layout/vProcess5"/>
-    <dgm:cxn modelId="{A496FAF6-AE47-1343-A8D0-D83A902B94E8}" type="presParOf" srcId="{884262D5-C7B5-DB4A-85CE-CA621DF18046}" destId="{CC40DAA5-D126-2C4C-95D1-DC4C83937139}" srcOrd="11" destOrd="0" presId="urn:microsoft.com/office/officeart/2005/8/layout/vProcess5"/>
+    <dgm:cxn modelId="{A973AF75-0C5F-B14B-829E-73CFE7E27D50}" type="presOf" srcId="{85BDC32B-5805-7B47-936F-8C8A98BD538B}" destId="{CC40DAA5-D126-2C4C-95D1-DC4C83937139}" srcOrd="1" destOrd="0" presId="urn:microsoft.com/office/officeart/2005/8/layout/vProcess5"/>
+    <dgm:cxn modelId="{1E0F5C0D-EE37-1B4C-943A-6162CB1E2159}" type="presOf" srcId="{E50FB9C6-2446-2047-8929-9DAFD49E56AF}" destId="{4D25455D-C67A-1C4F-BB4D-FC72A3A282E7}" srcOrd="0" destOrd="0" presId="urn:microsoft.com/office/officeart/2005/8/layout/vProcess5"/>
+    <dgm:cxn modelId="{69E404BF-BEE6-4447-B3A5-1095221D3020}" type="presOf" srcId="{5D2985FC-6F7B-1049-9FA8-536DED263B26}" destId="{8838D7D6-6CF3-F547-84B6-2B214BAB1DEE}" srcOrd="0" destOrd="0" presId="urn:microsoft.com/office/officeart/2005/8/layout/vProcess5"/>
+    <dgm:cxn modelId="{F199BCB9-9C01-E348-B6A2-70FE3A0CB265}" type="presOf" srcId="{83C728A1-102A-5749-BD87-B2F9F148C495}" destId="{336B6967-A0CA-5241-AF04-3D67BBBC6615}" srcOrd="0" destOrd="0" presId="urn:microsoft.com/office/officeart/2005/8/layout/vProcess5"/>
+    <dgm:cxn modelId="{F558A5BA-4B77-904B-B5C2-093252F7EC14}" type="presParOf" srcId="{884262D5-C7B5-DB4A-85CE-CA621DF18046}" destId="{A0AD5345-AF13-6F49-93AA-86B71E777619}" srcOrd="0" destOrd="0" presId="urn:microsoft.com/office/officeart/2005/8/layout/vProcess5"/>
+    <dgm:cxn modelId="{E2D3F1F4-E847-1846-AD2E-4FCE17A33E7B}" type="presParOf" srcId="{884262D5-C7B5-DB4A-85CE-CA621DF18046}" destId="{55E5ACA5-479B-3947-9AC0-E3E7A75094AB}" srcOrd="1" destOrd="0" presId="urn:microsoft.com/office/officeart/2005/8/layout/vProcess5"/>
+    <dgm:cxn modelId="{DD7C44E2-2FF1-B342-A717-9D1C22C65D93}" type="presParOf" srcId="{884262D5-C7B5-DB4A-85CE-CA621DF18046}" destId="{4D25455D-C67A-1C4F-BB4D-FC72A3A282E7}" srcOrd="2" destOrd="0" presId="urn:microsoft.com/office/officeart/2005/8/layout/vProcess5"/>
+    <dgm:cxn modelId="{665D5713-CC3D-9645-B174-C1C772C09CCF}" type="presParOf" srcId="{884262D5-C7B5-DB4A-85CE-CA621DF18046}" destId="{336B6967-A0CA-5241-AF04-3D67BBBC6615}" srcOrd="3" destOrd="0" presId="urn:microsoft.com/office/officeart/2005/8/layout/vProcess5"/>
+    <dgm:cxn modelId="{9CCD4B69-04AA-2142-878E-B6742F2BCF2E}" type="presParOf" srcId="{884262D5-C7B5-DB4A-85CE-CA621DF18046}" destId="{083A12FC-7023-B14C-A7EC-F163188C9705}" srcOrd="4" destOrd="0" presId="urn:microsoft.com/office/officeart/2005/8/layout/vProcess5"/>
+    <dgm:cxn modelId="{1594BEB8-17B8-DE48-A8F2-28C4E62AC1FB}" type="presParOf" srcId="{884262D5-C7B5-DB4A-85CE-CA621DF18046}" destId="{EB647195-31B1-0148-9FC9-211F59EA83DA}" srcOrd="5" destOrd="0" presId="urn:microsoft.com/office/officeart/2005/8/layout/vProcess5"/>
+    <dgm:cxn modelId="{03DED0E9-B523-A246-A0EC-8146CCD57959}" type="presParOf" srcId="{884262D5-C7B5-DB4A-85CE-CA621DF18046}" destId="{8838D7D6-6CF3-F547-84B6-2B214BAB1DEE}" srcOrd="6" destOrd="0" presId="urn:microsoft.com/office/officeart/2005/8/layout/vProcess5"/>
+    <dgm:cxn modelId="{BBAD9E5F-C50F-904A-AFAC-D0CD16D1158D}" type="presParOf" srcId="{884262D5-C7B5-DB4A-85CE-CA621DF18046}" destId="{AEBB08C9-61E6-C146-922F-C57266B3D825}" srcOrd="7" destOrd="0" presId="urn:microsoft.com/office/officeart/2005/8/layout/vProcess5"/>
+    <dgm:cxn modelId="{F2D06712-B45E-F34C-AD55-787248DCAD8A}" type="presParOf" srcId="{884262D5-C7B5-DB4A-85CE-CA621DF18046}" destId="{98725C2E-BE62-4E46-8006-EE42EF1B18DB}" srcOrd="8" destOrd="0" presId="urn:microsoft.com/office/officeart/2005/8/layout/vProcess5"/>
+    <dgm:cxn modelId="{FFD0B9CD-7F3E-5A49-8BD2-00E3CB5F234D}" type="presParOf" srcId="{884262D5-C7B5-DB4A-85CE-CA621DF18046}" destId="{490DFFAC-55AC-C141-A42D-4F370348A7A0}" srcOrd="9" destOrd="0" presId="urn:microsoft.com/office/officeart/2005/8/layout/vProcess5"/>
+    <dgm:cxn modelId="{A98737E7-9056-1F4A-9A47-521EF1D6CD25}" type="presParOf" srcId="{884262D5-C7B5-DB4A-85CE-CA621DF18046}" destId="{8C4D8EF2-F1EC-2F42-A9D1-BA3BE347BB0A}" srcOrd="10" destOrd="0" presId="urn:microsoft.com/office/officeart/2005/8/layout/vProcess5"/>
+    <dgm:cxn modelId="{B39A17B9-3D86-E34E-B4D2-39885092EB0B}" type="presParOf" srcId="{884262D5-C7B5-DB4A-85CE-CA621DF18046}" destId="{CC40DAA5-D126-2C4C-95D1-DC4C83937139}" srcOrd="11" destOrd="0" presId="urn:microsoft.com/office/officeart/2005/8/layout/vProcess5"/>
   </dgm:cxnLst>
   <dgm:bg/>
   <dgm:whole/>
@@ -7894,7 +7896,7 @@
           <a:p>
             <a:fld id="{B86859C3-2692-784F-AC34-40A9E7B69405}" type="datetimeFigureOut">
               <a:rPr kumimoji="1" lang="zh-CN" altLang="en-US" smtClean="0"/>
-              <a:t>17/2/22</a:t>
+              <a:t>17/2/23</a:t>
             </a:fld>
             <a:endParaRPr kumimoji="1" lang="zh-CN" altLang="en-US"/>
           </a:p>
@@ -8217,16 +8219,17 @@
               </a:rPr>
               <a:t>知其然，知其所以然；</a:t>
             </a:r>
-            <a:endParaRPr lang="en-US" altLang="zh-CN" sz="1200" kern="1200" dirty="0" smtClean="0">
-              <a:solidFill>
-                <a:schemeClr val="tx1"/>
-              </a:solidFill>
-              <a:latin typeface="+mn-lt"/>
-              <a:ea typeface="+mn-ea"/>
-              <a:cs typeface="+mn-cs"/>
-            </a:endParaRPr>
-          </a:p>
-          <a:p>
+            <a:r>
+              <a:rPr lang="zh-CN" altLang="zh-CN" sz="1200" kern="1200" dirty="0" smtClean="0">
+                <a:solidFill>
+                  <a:schemeClr val="tx1"/>
+                </a:solidFill>
+                <a:latin typeface="+mn-lt"/>
+                <a:ea typeface="+mn-ea"/>
+                <a:cs typeface="+mn-cs"/>
+              </a:rPr>
+              <a:t> </a:t>
+            </a:r>
             <a:r>
               <a:rPr lang="zh-CN" altLang="en-US" sz="1200" kern="1200" dirty="0" smtClean="0">
                 <a:solidFill>
@@ -8236,7 +8239,7 @@
                 <a:ea typeface="+mn-ea"/>
                 <a:cs typeface="+mn-cs"/>
               </a:rPr>
-              <a:t>实践出真知；</a:t>
+              <a:t>  实践出真知；</a:t>
             </a:r>
             <a:endParaRPr kumimoji="1" lang="zh-CN" altLang="en-US" dirty="0"/>
           </a:p>
@@ -8322,36 +8325,119 @@
           <a:bodyPr/>
           <a:lstStyle/>
           <a:p>
-            <a:pPr marL="0" marR="0" indent="0" algn="l" defTabSz="457200" rtl="0" eaLnBrk="1" fontAlgn="auto" latinLnBrk="0" hangingPunct="1">
-              <a:lnSpc>
-                <a:spcPct val="100000"/>
-              </a:lnSpc>
-              <a:spcBef>
-                <a:spcPts val="0"/>
-              </a:spcBef>
-              <a:spcAft>
-                <a:spcPts val="0"/>
-              </a:spcAft>
-              <a:buClrTx/>
-              <a:buSzTx/>
-              <a:buFontTx/>
-              <a:buNone/>
-              <a:tabLst/>
-              <a:defRPr/>
-            </a:pPr>
-            <a:r>
-              <a:rPr lang="zh-CN" altLang="zh-CN" sz="1200" kern="1200" dirty="0" smtClean="0">
-                <a:solidFill>
-                  <a:schemeClr val="tx1"/>
-                </a:solidFill>
-                <a:effectLst/>
-                <a:latin typeface="+mn-lt"/>
-                <a:ea typeface="+mn-ea"/>
-                <a:cs typeface="+mn-cs"/>
+            <a:r>
+              <a:rPr kumimoji="1" lang="en-US" altLang="zh-CN" dirty="0" smtClean="0"/>
+              <a:t>DB</a:t>
+            </a:r>
+            <a:r>
+              <a:rPr kumimoji="1" lang="zh-CN" altLang="en-US" dirty="0" smtClean="0"/>
+              <a:t> </a:t>
+            </a:r>
+            <a:r>
+              <a:rPr kumimoji="1" lang="zh-CN" altLang="en-US" dirty="0" smtClean="0">
+                <a:sym typeface="Wingdings"/>
               </a:rPr>
-              <a:t>曾经我有一个很朴素的想法，让需要数据的人可以无障碍随时随地获取他们所需的数据，让管理数据的人可以免于疲于帮需要数据的人导这导那的重复劳动。</a:t>
-            </a:r>
-            <a:endParaRPr kumimoji="1" lang="zh-CN" altLang="en-US" dirty="0"/>
+              <a:t> </a:t>
+            </a:r>
+            <a:r>
+              <a:rPr kumimoji="1" lang="en-US" altLang="zh-CN" dirty="0" smtClean="0">
+                <a:sym typeface="Wingdings"/>
+              </a:rPr>
+              <a:t>ETL</a:t>
+            </a:r>
+            <a:r>
+              <a:rPr kumimoji="1" lang="zh-CN" altLang="en-US" dirty="0" smtClean="0">
+                <a:sym typeface="Wingdings"/>
+              </a:rPr>
+              <a:t>  清洗库  导出到</a:t>
+            </a:r>
+            <a:r>
+              <a:rPr kumimoji="1" lang="en-US" altLang="zh-CN" dirty="0" smtClean="0">
+                <a:sym typeface="Wingdings"/>
+              </a:rPr>
+              <a:t>Excel</a:t>
+            </a:r>
+            <a:r>
+              <a:rPr kumimoji="1" lang="zh-CN" altLang="en-US" dirty="0" smtClean="0">
+                <a:sym typeface="Wingdings"/>
+              </a:rPr>
+              <a:t>、</a:t>
+            </a:r>
+            <a:r>
+              <a:rPr kumimoji="1" lang="en-US" altLang="zh-CN" dirty="0" smtClean="0">
+                <a:sym typeface="Wingdings"/>
+              </a:rPr>
+              <a:t>PPT</a:t>
+            </a:r>
+            <a:r>
+              <a:rPr kumimoji="1" lang="zh-CN" altLang="en-US" dirty="0" smtClean="0">
+                <a:sym typeface="Wingdings"/>
+              </a:rPr>
+              <a:t>  透视</a:t>
+            </a:r>
+            <a:r>
+              <a:rPr kumimoji="1" lang="zh-CN" altLang="zh-CN" dirty="0" smtClean="0">
+                <a:sym typeface="Wingdings"/>
+              </a:rPr>
+              <a:t>.</a:t>
+            </a:r>
+            <a:r>
+              <a:rPr kumimoji="1" lang="en-US" altLang="zh-CN" dirty="0" smtClean="0">
+                <a:sym typeface="Wingdings"/>
+              </a:rPr>
+              <a:t>.....</a:t>
+            </a:r>
+            <a:r>
+              <a:rPr kumimoji="1" lang="zh-CN" altLang="en-US" dirty="0" smtClean="0">
+                <a:sym typeface="Wingdings"/>
+              </a:rPr>
+              <a:t>  图表  邮件、实时通讯  查阅</a:t>
+            </a:r>
+            <a:endParaRPr kumimoji="1" lang="en-US" altLang="zh-CN" dirty="0" smtClean="0">
+              <a:sym typeface="Wingdings"/>
+            </a:endParaRPr>
+          </a:p>
+          <a:p>
+            <a:r>
+              <a:rPr kumimoji="1" lang="en-US" altLang="zh-CN" dirty="0" smtClean="0"/>
+              <a:t>DB</a:t>
+            </a:r>
+            <a:r>
+              <a:rPr kumimoji="1" lang="zh-CN" altLang="en-US" dirty="0" smtClean="0"/>
+              <a:t> </a:t>
+            </a:r>
+            <a:r>
+              <a:rPr kumimoji="1" lang="zh-CN" altLang="en-US" dirty="0" smtClean="0">
+                <a:sym typeface="Wingdings"/>
+              </a:rPr>
+              <a:t> </a:t>
+            </a:r>
+            <a:r>
+              <a:rPr kumimoji="1" lang="en-US" altLang="zh-CN" dirty="0" smtClean="0">
+                <a:sym typeface="Wingdings"/>
+              </a:rPr>
+              <a:t>ETL</a:t>
+            </a:r>
+            <a:r>
+              <a:rPr kumimoji="1" lang="zh-CN" altLang="en-US" dirty="0" smtClean="0">
+                <a:sym typeface="Wingdings"/>
+              </a:rPr>
+              <a:t>  清洗库  它山石</a:t>
+            </a:r>
+            <a:endParaRPr kumimoji="1" lang="en-US" altLang="zh-CN" dirty="0" smtClean="0">
+              <a:sym typeface="Wingdings"/>
+            </a:endParaRPr>
+          </a:p>
+          <a:p>
+            <a:endParaRPr kumimoji="1" lang="en-US" altLang="zh-CN" dirty="0" smtClean="0">
+              <a:sym typeface="Wingdings"/>
+            </a:endParaRPr>
+          </a:p>
+          <a:p>
+            <a:r>
+              <a:rPr kumimoji="1" lang="zh-CN" altLang="en-US" dirty="0" smtClean="0"/>
+              <a:t>开枝散叶，形成生态社区</a:t>
+            </a:r>
           </a:p>
         </p:txBody>
       </p:sp>
@@ -8381,7 +8467,7 @@
     </p:spTree>
     <p:extLst>
       <p:ext uri="{BB962C8B-B14F-4D97-AF65-F5344CB8AC3E}">
-        <p14:creationId xmlns:p14="http://schemas.microsoft.com/office/powerpoint/2010/main" val="2801977975"/>
+        <p14:creationId xmlns:p14="http://schemas.microsoft.com/office/powerpoint/2010/main" val="3709830710"/>
       </p:ext>
     </p:extLst>
   </p:cSld>
@@ -8435,174 +8521,322 @@
           <a:bodyPr/>
           <a:lstStyle/>
           <a:p>
-            <a:r>
-              <a:rPr lang="zh-CN" altLang="zh-CN" sz="1200" kern="1200" dirty="0" smtClean="0">
+            <a:pPr marL="0" marR="0" indent="0" algn="l" defTabSz="457200" rtl="0" eaLnBrk="1" fontAlgn="auto" latinLnBrk="0" hangingPunct="1">
+              <a:lnSpc>
+                <a:spcPct val="100000"/>
+              </a:lnSpc>
+              <a:spcBef>
+                <a:spcPts val="0"/>
+              </a:spcBef>
+              <a:spcAft>
+                <a:spcPts val="0"/>
+              </a:spcAft>
+              <a:buClrTx/>
+              <a:buSzTx/>
+              <a:buFontTx/>
+              <a:buNone/>
+              <a:tabLst/>
+              <a:defRPr/>
+            </a:pPr>
+            <a:r>
+              <a:rPr lang="zh-CN" altLang="en-US" sz="1200" kern="1200" dirty="0" smtClean="0">
                 <a:solidFill>
                   <a:schemeClr val="tx1"/>
                 </a:solidFill>
-                <a:effectLst/>
                 <a:latin typeface="+mn-lt"/>
                 <a:ea typeface="+mn-ea"/>
                 <a:cs typeface="+mn-cs"/>
               </a:rPr>
-              <a:t>数字化，每个时间段的数据都是一个确切的坐标，只有记录了一切，才有可能描绘出完整的轨迹。</a:t>
-            </a:r>
-          </a:p>
-          <a:p>
-            <a:r>
-              <a:rPr lang="zh-CN" altLang="zh-CN" sz="1200" kern="1200" dirty="0" smtClean="0">
+              <a:t>人、流程、数据  三位</a:t>
+            </a:r>
+            <a:r>
+              <a:rPr lang="zh-CN" altLang="en-US" sz="1200" kern="1200" dirty="0" smtClean="0">
                 <a:solidFill>
                   <a:schemeClr val="tx1"/>
                 </a:solidFill>
-                <a:effectLst/>
                 <a:latin typeface="+mn-lt"/>
                 <a:ea typeface="+mn-ea"/>
                 <a:cs typeface="+mn-cs"/>
               </a:rPr>
-              <a:t>人生、企业发展，无非一段旅程，有迹可循，才能更好的把握方向，始终走在正确的道路上。</a:t>
+              <a:t>一体</a:t>
             </a:r>
             <a:endParaRPr lang="en-US" altLang="zh-CN" sz="1200" kern="1200" dirty="0" smtClean="0">
               <a:solidFill>
                 <a:schemeClr val="tx1"/>
               </a:solidFill>
-              <a:effectLst/>
               <a:latin typeface="+mn-lt"/>
               <a:ea typeface="+mn-ea"/>
               <a:cs typeface="+mn-cs"/>
             </a:endParaRPr>
           </a:p>
           <a:p>
+            <a:pPr marL="0" marR="0" indent="0" algn="l" defTabSz="457200" rtl="0" eaLnBrk="1" fontAlgn="auto" latinLnBrk="0" hangingPunct="1">
+              <a:lnSpc>
+                <a:spcPct val="100000"/>
+              </a:lnSpc>
+              <a:spcBef>
+                <a:spcPts val="0"/>
+              </a:spcBef>
+              <a:spcAft>
+                <a:spcPts val="0"/>
+              </a:spcAft>
+              <a:buClrTx/>
+              <a:buSzTx/>
+              <a:buFontTx/>
+              <a:buNone/>
+              <a:tabLst/>
+              <a:defRPr/>
+            </a:pPr>
             <a:endParaRPr lang="en-US" altLang="zh-CN" sz="1200" kern="1200" dirty="0" smtClean="0">
               <a:solidFill>
                 <a:schemeClr val="tx1"/>
               </a:solidFill>
-              <a:effectLst/>
               <a:latin typeface="+mn-lt"/>
               <a:ea typeface="+mn-ea"/>
               <a:cs typeface="+mn-cs"/>
             </a:endParaRPr>
           </a:p>
           <a:p>
-            <a:r>
-              <a:rPr lang="zh-CN" altLang="zh-CN" sz="1200" b="1" kern="1200" dirty="0" smtClean="0">
+            <a:pPr marL="0" marR="0" indent="0" algn="l" defTabSz="457200" rtl="0" eaLnBrk="1" fontAlgn="auto" latinLnBrk="0" hangingPunct="1">
+              <a:lnSpc>
+                <a:spcPct val="100000"/>
+              </a:lnSpc>
+              <a:spcBef>
+                <a:spcPts val="0"/>
+              </a:spcBef>
+              <a:spcAft>
+                <a:spcPts val="0"/>
+              </a:spcAft>
+              <a:buClrTx/>
+              <a:buSzTx/>
+              <a:buFontTx/>
+              <a:buNone/>
+              <a:tabLst/>
+              <a:defRPr/>
+            </a:pPr>
+            <a:r>
+              <a:rPr kumimoji="1" lang="zh-CN" altLang="en-US" sz="1200" kern="1200" dirty="0" smtClean="0">
                 <a:solidFill>
                   <a:schemeClr val="tx1"/>
                 </a:solidFill>
-                <a:effectLst/>
                 <a:latin typeface="+mn-lt"/>
                 <a:ea typeface="+mn-ea"/>
                 <a:cs typeface="+mn-cs"/>
               </a:rPr>
-              <a:t>仪表化管理</a:t>
-            </a:r>
-            <a:endParaRPr lang="zh-CN" altLang="zh-CN" sz="1200" kern="1200" dirty="0" smtClean="0">
+              <a:t>业务人员</a:t>
+            </a:r>
+            <a:r>
+              <a:rPr kumimoji="1" lang="en-US" altLang="zh-CN" sz="1200" kern="1200" dirty="0" smtClean="0">
+                <a:solidFill>
+                  <a:schemeClr val="tx1"/>
+                </a:solidFill>
+                <a:latin typeface="+mn-lt"/>
+                <a:ea typeface="+mn-ea"/>
+                <a:cs typeface="+mn-cs"/>
+              </a:rPr>
+              <a:t>--&gt;</a:t>
+            </a:r>
+            <a:r>
+              <a:rPr kumimoji="1" lang="zh-CN" altLang="en-US" sz="1200" kern="1200" dirty="0" smtClean="0">
+                <a:solidFill>
+                  <a:schemeClr val="tx1"/>
+                </a:solidFill>
+                <a:latin typeface="+mn-lt"/>
+                <a:ea typeface="+mn-ea"/>
+                <a:cs typeface="+mn-cs"/>
+              </a:rPr>
+              <a:t>产品经理</a:t>
+            </a:r>
+            <a:r>
+              <a:rPr kumimoji="1" lang="en-US" altLang="zh-CN" sz="1200" kern="1200" dirty="0" smtClean="0">
+                <a:solidFill>
+                  <a:schemeClr val="tx1"/>
+                </a:solidFill>
+                <a:latin typeface="+mn-lt"/>
+                <a:ea typeface="+mn-ea"/>
+                <a:cs typeface="+mn-cs"/>
+              </a:rPr>
+              <a:t>--&gt;</a:t>
+            </a:r>
+            <a:r>
+              <a:rPr kumimoji="1" lang="zh-CN" altLang="en-US" sz="1200" kern="1200" dirty="0" smtClean="0">
+                <a:solidFill>
+                  <a:schemeClr val="tx1"/>
+                </a:solidFill>
+                <a:latin typeface="+mn-lt"/>
+                <a:ea typeface="+mn-ea"/>
+                <a:cs typeface="+mn-cs"/>
+              </a:rPr>
+              <a:t>项目经理</a:t>
+            </a:r>
+            <a:r>
+              <a:rPr kumimoji="1" lang="en-US" altLang="zh-CN" sz="1200" kern="1200" dirty="0" smtClean="0">
+                <a:solidFill>
+                  <a:schemeClr val="tx1"/>
+                </a:solidFill>
+                <a:latin typeface="+mn-lt"/>
+                <a:ea typeface="+mn-ea"/>
+                <a:cs typeface="+mn-cs"/>
+              </a:rPr>
+              <a:t>--&gt;</a:t>
+            </a:r>
+            <a:r>
+              <a:rPr kumimoji="1" lang="zh-CN" altLang="en-US" sz="1200" kern="1200" dirty="0" smtClean="0">
+                <a:solidFill>
+                  <a:schemeClr val="tx1"/>
+                </a:solidFill>
+                <a:latin typeface="+mn-lt"/>
+                <a:ea typeface="+mn-ea"/>
+                <a:cs typeface="+mn-cs"/>
+              </a:rPr>
+              <a:t>开发人员</a:t>
+            </a:r>
+            <a:r>
+              <a:rPr kumimoji="1" lang="en-US" altLang="zh-CN" sz="1200" kern="1200" dirty="0" smtClean="0">
+                <a:solidFill>
+                  <a:schemeClr val="tx1"/>
+                </a:solidFill>
+                <a:latin typeface="+mn-lt"/>
+                <a:ea typeface="+mn-ea"/>
+                <a:cs typeface="+mn-cs"/>
+              </a:rPr>
+              <a:t>--&gt;</a:t>
+            </a:r>
+            <a:r>
+              <a:rPr kumimoji="1" lang="zh-CN" altLang="en-US" sz="1200" kern="1200" dirty="0" smtClean="0">
+                <a:solidFill>
+                  <a:schemeClr val="tx1"/>
+                </a:solidFill>
+                <a:latin typeface="+mn-lt"/>
+                <a:ea typeface="+mn-ea"/>
+                <a:cs typeface="+mn-cs"/>
+              </a:rPr>
+              <a:t>测试人员</a:t>
+            </a:r>
+            <a:endParaRPr kumimoji="1" lang="en-US" altLang="zh-CN" sz="1200" kern="1200" dirty="0" smtClean="0">
               <a:solidFill>
                 <a:schemeClr val="tx1"/>
               </a:solidFill>
-              <a:effectLst/>
               <a:latin typeface="+mn-lt"/>
               <a:ea typeface="+mn-ea"/>
               <a:cs typeface="+mn-cs"/>
             </a:endParaRPr>
           </a:p>
           <a:p>
-            <a:r>
-              <a:rPr lang="zh-CN" altLang="zh-CN" sz="1200" kern="1200" dirty="0" smtClean="0">
+            <a:pPr marL="0" marR="0" indent="0" algn="l" defTabSz="457200" rtl="0" eaLnBrk="1" fontAlgn="auto" latinLnBrk="0" hangingPunct="1">
+              <a:lnSpc>
+                <a:spcPct val="100000"/>
+              </a:lnSpc>
+              <a:spcBef>
+                <a:spcPts val="0"/>
+              </a:spcBef>
+              <a:spcAft>
+                <a:spcPts val="0"/>
+              </a:spcAft>
+              <a:buClrTx/>
+              <a:buSzTx/>
+              <a:buFontTx/>
+              <a:buNone/>
+              <a:tabLst/>
+              <a:defRPr/>
+            </a:pPr>
+            <a:endParaRPr kumimoji="1" lang="en-US" altLang="zh-CN" sz="1200" kern="1200" dirty="0" smtClean="0">
+              <a:solidFill>
+                <a:schemeClr val="tx1"/>
+              </a:solidFill>
+              <a:latin typeface="+mn-lt"/>
+              <a:ea typeface="+mn-ea"/>
+              <a:cs typeface="+mn-cs"/>
+            </a:endParaRPr>
+          </a:p>
+          <a:p>
+            <a:r>
+              <a:rPr lang="zh-CN" altLang="en-US" sz="1200" kern="1200" dirty="0" smtClean="0">
                 <a:solidFill>
                   <a:schemeClr val="tx1"/>
                 </a:solidFill>
-                <a:effectLst/>
                 <a:latin typeface="+mn-lt"/>
                 <a:ea typeface="+mn-ea"/>
                 <a:cs typeface="+mn-cs"/>
               </a:rPr>
-              <a:t> </a:t>
-            </a:r>
-            <a:r>
-              <a:rPr lang="en-US" altLang="zh-CN" sz="1200" kern="1200" dirty="0" smtClean="0">
+              <a:t>互联网的核心精神之一，便是分享思维</a:t>
+            </a:r>
+            <a:r>
+              <a:rPr lang="zh-CN" altLang="en-US" sz="1200" kern="1200" dirty="0" smtClean="0">
                 <a:solidFill>
                   <a:schemeClr val="tx1"/>
                 </a:solidFill>
-                <a:effectLst/>
                 <a:latin typeface="+mn-lt"/>
                 <a:ea typeface="+mn-ea"/>
                 <a:cs typeface="+mn-cs"/>
               </a:rPr>
-              <a:t>	</a:t>
-            </a:r>
-            <a:r>
-              <a:rPr lang="zh-CN" altLang="zh-CN" sz="1200" kern="1200" dirty="0" smtClean="0">
+              <a:t>。在分</a:t>
+            </a:r>
+            <a:r>
+              <a:rPr lang="zh-CN" altLang="en-US" sz="1200" kern="1200" dirty="0" smtClean="0">
                 <a:solidFill>
                   <a:schemeClr val="tx1"/>
                 </a:solidFill>
-                <a:effectLst/>
                 <a:latin typeface="+mn-lt"/>
                 <a:ea typeface="+mn-ea"/>
                 <a:cs typeface="+mn-cs"/>
               </a:rPr>
-              <a:t>对企业而言，所有的业务进程和标准的执行情况都必须实时反映在各类仪表盘上，以便让管理者和员工都一目了然。但能做到这一点的企业寥寥无几。事实上谁都明白，传统的监管方式早已漏洞百出，很多问题都无法及时发现。而一旦引入这种管理方式，许多问题就无处遁形了。问题将在第一时间被暴露出来并预警。就像汽车仪表盘上的各类报警灯。</a:t>
-            </a:r>
-          </a:p>
-          <a:p>
-            <a:r>
-              <a:rPr lang="zh-CN" altLang="zh-CN" sz="1200" kern="1200" dirty="0" smtClean="0">
+              <a:t>享模式下，资源越用越有价值</a:t>
+            </a:r>
+            <a:r>
+              <a:rPr lang="zh-CN" altLang="en-US" sz="1200" kern="1200" dirty="0" smtClean="0">
                 <a:solidFill>
                   <a:schemeClr val="tx1"/>
                 </a:solidFill>
-                <a:effectLst/>
                 <a:latin typeface="+mn-lt"/>
                 <a:ea typeface="+mn-ea"/>
                 <a:cs typeface="+mn-cs"/>
               </a:rPr>
-              <a:t> </a:t>
+              <a:t>。分享就是获</a:t>
             </a:r>
             <a:r>
               <a:rPr lang="zh-CN" altLang="en-US" sz="1200" kern="1200" dirty="0" smtClean="0">
                 <a:solidFill>
                   <a:schemeClr val="tx1"/>
                 </a:solidFill>
-                <a:effectLst/>
                 <a:latin typeface="+mn-lt"/>
                 <a:ea typeface="+mn-ea"/>
                 <a:cs typeface="+mn-cs"/>
               </a:rPr>
-              <a:t> </a:t>
-            </a:r>
-            <a:r>
-              <a:rPr lang="en-US" altLang="zh-CN" sz="1200" kern="1200" dirty="0" smtClean="0">
+              <a:t>取，消耗就是积累</a:t>
+            </a:r>
+            <a:r>
+              <a:rPr lang="zh-CN" altLang="en-US" sz="1200" kern="1200" dirty="0" smtClean="0">
                 <a:solidFill>
                   <a:schemeClr val="tx1"/>
                 </a:solidFill>
-                <a:effectLst/>
                 <a:latin typeface="+mn-lt"/>
                 <a:ea typeface="+mn-ea"/>
                 <a:cs typeface="+mn-cs"/>
               </a:rPr>
-              <a:t>	</a:t>
-            </a:r>
-            <a:r>
-              <a:rPr lang="zh-CN" altLang="zh-CN" sz="1200" kern="1200" dirty="0" smtClean="0">
-                <a:solidFill>
-                  <a:schemeClr val="tx1"/>
-                </a:solidFill>
-                <a:effectLst/>
-                <a:latin typeface="+mn-lt"/>
-                <a:ea typeface="+mn-ea"/>
-                <a:cs typeface="+mn-cs"/>
-              </a:rPr>
-              <a:t>公司就像一辆高速行车的汽车，需要时刻通过仪表盘来了解当前的运行状态，并根据路况信息做出及时调整。</a:t>
-            </a:r>
-          </a:p>
-          <a:p>
-            <a:endParaRPr lang="zh-CN" altLang="zh-CN" sz="1200" kern="1200" dirty="0" smtClean="0">
+              <a:t>。</a:t>
+            </a:r>
+            <a:endParaRPr lang="en-US" altLang="zh-CN" sz="1200" kern="1200" dirty="0" smtClean="0">
               <a:solidFill>
                 <a:schemeClr val="tx1"/>
               </a:solidFill>
-              <a:effectLst/>
               <a:latin typeface="+mn-lt"/>
               <a:ea typeface="+mn-ea"/>
               <a:cs typeface="+mn-cs"/>
             </a:endParaRPr>
+          </a:p>
+          <a:p>
+            <a:endParaRPr kumimoji="1" lang="en-US" altLang="zh-CN" sz="1200" kern="1200" dirty="0" smtClean="0">
+              <a:solidFill>
+                <a:schemeClr val="tx1"/>
+              </a:solidFill>
+              <a:latin typeface="+mn-lt"/>
+              <a:ea typeface="+mn-ea"/>
+              <a:cs typeface="+mn-cs"/>
+            </a:endParaRPr>
+          </a:p>
+          <a:p>
+            <a:endParaRPr kumimoji="1" lang="zh-CN" altLang="en-US" dirty="0" smtClean="0"/>
           </a:p>
           <a:p>
             <a:endParaRPr kumimoji="1" lang="zh-CN" altLang="en-US" dirty="0"/>
@@ -8626,7 +8860,7 @@
           <a:p>
             <a:fld id="{30E5BD0C-2667-BA41-90C5-58CB9DE5FD83}" type="slidenum">
               <a:rPr kumimoji="1" lang="zh-CN" altLang="en-US" smtClean="0"/>
-              <a:t>4</a:t>
+              <a:t>3</a:t>
             </a:fld>
             <a:endParaRPr kumimoji="1" lang="zh-CN" altLang="en-US"/>
           </a:p>
@@ -8689,132 +8923,34 @@
           <a:bodyPr/>
           <a:lstStyle/>
           <a:p>
-            <a:r>
-              <a:rPr kumimoji="1" lang="en-US" altLang="zh-CN" dirty="0" smtClean="0"/>
-              <a:t>【</a:t>
-            </a:r>
-            <a:r>
-              <a:rPr kumimoji="1" lang="zh-CN" altLang="en-US" dirty="0" smtClean="0"/>
-              <a:t>百度百科</a:t>
-            </a:r>
-            <a:r>
-              <a:rPr kumimoji="1" lang="en-US" altLang="zh-CN" dirty="0" smtClean="0"/>
-              <a:t>】</a:t>
-            </a:r>
-            <a:r>
-              <a:rPr kumimoji="1" lang="zh-CN" altLang="en-US" dirty="0" smtClean="0"/>
-              <a:t>数据分析是指用适当的统计分析方法对收集来的大量数据进行分析，提取有用信息和形成结论而对数据加以详细研究和概括总结的过程。这一过程也是质量管理体系的支持过程。在实用中，数据分析可帮助人们作出判断，以便采取适当行动。</a:t>
-            </a:r>
-            <a:endParaRPr kumimoji="1" lang="en-US" altLang="zh-CN" dirty="0" smtClean="0"/>
-          </a:p>
-          <a:p>
-            <a:endParaRPr kumimoji="1" lang="en-US" altLang="zh-CN" dirty="0" smtClean="0"/>
-          </a:p>
-          <a:p>
-            <a:r>
-              <a:rPr kumimoji="1" lang="en-US" altLang="zh-CN" dirty="0" smtClean="0"/>
-              <a:t>DB</a:t>
-            </a:r>
-            <a:r>
-              <a:rPr kumimoji="1" lang="zh-CN" altLang="en-US" dirty="0" smtClean="0"/>
-              <a:t> </a:t>
-            </a:r>
-            <a:r>
-              <a:rPr kumimoji="1" lang="zh-CN" altLang="en-US" dirty="0" smtClean="0">
-                <a:sym typeface="Wingdings"/>
+            <a:pPr marL="0" marR="0" indent="0" algn="l" defTabSz="457200" rtl="0" eaLnBrk="1" fontAlgn="auto" latinLnBrk="0" hangingPunct="1">
+              <a:lnSpc>
+                <a:spcPct val="100000"/>
+              </a:lnSpc>
+              <a:spcBef>
+                <a:spcPts val="0"/>
+              </a:spcBef>
+              <a:spcAft>
+                <a:spcPts val="0"/>
+              </a:spcAft>
+              <a:buClrTx/>
+              <a:buSzTx/>
+              <a:buFontTx/>
+              <a:buNone/>
+              <a:tabLst/>
+              <a:defRPr/>
+            </a:pPr>
+            <a:r>
+              <a:rPr lang="zh-CN" altLang="zh-CN" sz="1200" kern="1200" dirty="0" smtClean="0">
+                <a:solidFill>
+                  <a:schemeClr val="tx1"/>
+                </a:solidFill>
+                <a:effectLst/>
+                <a:latin typeface="+mn-lt"/>
+                <a:ea typeface="+mn-ea"/>
+                <a:cs typeface="+mn-cs"/>
               </a:rPr>
-              <a:t> </a:t>
-            </a:r>
-            <a:r>
-              <a:rPr kumimoji="1" lang="en-US" altLang="zh-CN" dirty="0" smtClean="0">
-                <a:sym typeface="Wingdings"/>
-              </a:rPr>
-              <a:t>ETL</a:t>
-            </a:r>
-            <a:r>
-              <a:rPr kumimoji="1" lang="zh-CN" altLang="en-US" dirty="0" smtClean="0">
-                <a:sym typeface="Wingdings"/>
-              </a:rPr>
-              <a:t>  清洗库  导出到</a:t>
-            </a:r>
-            <a:r>
-              <a:rPr kumimoji="1" lang="en-US" altLang="zh-CN" dirty="0" smtClean="0">
-                <a:sym typeface="Wingdings"/>
-              </a:rPr>
-              <a:t>Excel</a:t>
-            </a:r>
-            <a:r>
-              <a:rPr kumimoji="1" lang="zh-CN" altLang="en-US" dirty="0" smtClean="0">
-                <a:sym typeface="Wingdings"/>
-              </a:rPr>
-              <a:t>、</a:t>
-            </a:r>
-            <a:r>
-              <a:rPr kumimoji="1" lang="en-US" altLang="zh-CN" dirty="0" smtClean="0">
-                <a:sym typeface="Wingdings"/>
-              </a:rPr>
-              <a:t>PPT</a:t>
-            </a:r>
-            <a:r>
-              <a:rPr kumimoji="1" lang="zh-CN" altLang="en-US" dirty="0" smtClean="0">
-                <a:sym typeface="Wingdings"/>
-              </a:rPr>
-              <a:t>  透视</a:t>
-            </a:r>
-            <a:r>
-              <a:rPr kumimoji="1" lang="zh-CN" altLang="zh-CN" dirty="0" smtClean="0">
-                <a:sym typeface="Wingdings"/>
-              </a:rPr>
-              <a:t>.</a:t>
-            </a:r>
-            <a:r>
-              <a:rPr kumimoji="1" lang="en-US" altLang="zh-CN" dirty="0" smtClean="0">
-                <a:sym typeface="Wingdings"/>
-              </a:rPr>
-              <a:t>.....</a:t>
-            </a:r>
-            <a:r>
-              <a:rPr kumimoji="1" lang="zh-CN" altLang="en-US" dirty="0" smtClean="0">
-                <a:sym typeface="Wingdings"/>
-              </a:rPr>
-              <a:t>  图表  邮件、实时通讯  查阅</a:t>
-            </a:r>
-            <a:endParaRPr kumimoji="1" lang="en-US" altLang="zh-CN" dirty="0" smtClean="0">
-              <a:sym typeface="Wingdings"/>
-            </a:endParaRPr>
-          </a:p>
-          <a:p>
-            <a:r>
-              <a:rPr kumimoji="1" lang="en-US" altLang="zh-CN" dirty="0" smtClean="0"/>
-              <a:t>DB</a:t>
-            </a:r>
-            <a:r>
-              <a:rPr kumimoji="1" lang="zh-CN" altLang="en-US" dirty="0" smtClean="0"/>
-              <a:t> </a:t>
-            </a:r>
-            <a:r>
-              <a:rPr kumimoji="1" lang="zh-CN" altLang="en-US" dirty="0" smtClean="0">
-                <a:sym typeface="Wingdings"/>
-              </a:rPr>
-              <a:t> </a:t>
-            </a:r>
-            <a:r>
-              <a:rPr kumimoji="1" lang="en-US" altLang="zh-CN" dirty="0" smtClean="0">
-                <a:sym typeface="Wingdings"/>
-              </a:rPr>
-              <a:t>ETL</a:t>
-            </a:r>
-            <a:r>
-              <a:rPr kumimoji="1" lang="zh-CN" altLang="en-US" dirty="0" smtClean="0">
-                <a:sym typeface="Wingdings"/>
-              </a:rPr>
-              <a:t>  清洗库 </a:t>
-            </a:r>
-            <a:r>
-              <a:rPr kumimoji="1" lang="zh-CN" altLang="en-US" smtClean="0">
-                <a:sym typeface="Wingdings"/>
-              </a:rPr>
-              <a:t> 它山石</a:t>
+              <a:t>一个很朴素的想法，让需要数据的人可以无障碍随时随地获取他们所需的数据，让管理数据的人可以免于疲于帮需要数据的人导这导那的重复劳动。</a:t>
             </a:r>
             <a:endParaRPr kumimoji="1" lang="zh-CN" altLang="en-US" dirty="0"/>
           </a:p>
@@ -8837,7 +8973,7 @@
           <a:p>
             <a:fld id="{30E5BD0C-2667-BA41-90C5-58CB9DE5FD83}" type="slidenum">
               <a:rPr kumimoji="1" lang="zh-CN" altLang="en-US" smtClean="0"/>
-              <a:t>5</a:t>
+              <a:t>4</a:t>
             </a:fld>
             <a:endParaRPr kumimoji="1" lang="zh-CN" altLang="en-US"/>
           </a:p>
@@ -8846,7 +8982,7 @@
     </p:spTree>
     <p:extLst>
       <p:ext uri="{BB962C8B-B14F-4D97-AF65-F5344CB8AC3E}">
-        <p14:creationId xmlns:p14="http://schemas.microsoft.com/office/powerpoint/2010/main" val="3861733618"/>
+        <p14:creationId xmlns:p14="http://schemas.microsoft.com/office/powerpoint/2010/main" val="2801977975"/>
       </p:ext>
     </p:extLst>
   </p:cSld>
@@ -8901,26 +9037,202 @@
           <a:lstStyle/>
           <a:p>
             <a:r>
-              <a:rPr kumimoji="1" lang="zh-CN" altLang="en-US" dirty="0" smtClean="0"/>
-              <a:t>数据产品 </a:t>
-            </a:r>
-            <a:r>
-              <a:rPr kumimoji="1" lang="en-US" altLang="zh-CN" dirty="0" smtClean="0"/>
-              <a:t>=</a:t>
-            </a:r>
-            <a:r>
-              <a:rPr kumimoji="1" lang="zh-CN" altLang="en-US" dirty="0" smtClean="0"/>
-              <a:t> 一整套完善的解决方案</a:t>
-            </a:r>
-            <a:endParaRPr kumimoji="1" lang="en-US" altLang="zh-CN" dirty="0" smtClean="0"/>
-          </a:p>
-          <a:p>
-            <a:endParaRPr kumimoji="1" lang="en-US" altLang="zh-CN" dirty="0" smtClean="0"/>
-          </a:p>
-          <a:p>
-            <a:r>
-              <a:rPr kumimoji="1" lang="zh-CN" altLang="en-US" dirty="0" smtClean="0"/>
-              <a:t>数据分析不再只是分析报告、数据图表，它成为人们构建这个流程的一种贯穿始终的思想，流程中的每个环节都会有数据分析的内容存在，以数据的结果驱动产品、渠道、投入资源等等内容的配合，共同构成该业务场景下的完整业务流程。这一流程不能是靠手工来完成，一定是自动化的，人只是这一流程中起决策作用的节点而已。</a:t>
+              <a:rPr lang="zh-CN" altLang="en-US" sz="1200" kern="1200" dirty="0" smtClean="0">
+                <a:solidFill>
+                  <a:schemeClr val="tx1"/>
+                </a:solidFill>
+                <a:latin typeface="+mn-lt"/>
+                <a:ea typeface="+mn-ea"/>
+                <a:cs typeface="+mn-cs"/>
+              </a:rPr>
+              <a:t>关键字</a:t>
+            </a:r>
+            <a:r>
+              <a:rPr lang="en-US" altLang="zh-CN" sz="1200" kern="1200" dirty="0" smtClean="0">
+                <a:solidFill>
+                  <a:schemeClr val="tx1"/>
+                </a:solidFill>
+                <a:latin typeface="+mn-lt"/>
+                <a:ea typeface="+mn-ea"/>
+                <a:cs typeface="+mn-cs"/>
+              </a:rPr>
+              <a:t>: BI</a:t>
+            </a:r>
+            <a:r>
+              <a:rPr lang="zh-CN" altLang="en-US" sz="1200" kern="1200" dirty="0" smtClean="0">
+                <a:solidFill>
+                  <a:schemeClr val="tx1"/>
+                </a:solidFill>
+                <a:latin typeface="+mn-lt"/>
+                <a:ea typeface="+mn-ea"/>
+                <a:cs typeface="+mn-cs"/>
+              </a:rPr>
+              <a:t>商业</a:t>
+            </a:r>
+            <a:r>
+              <a:rPr lang="en-US" altLang="zh-CN" sz="1200" kern="1200" dirty="0" smtClean="0">
+                <a:solidFill>
+                  <a:schemeClr val="tx1"/>
+                </a:solidFill>
+                <a:latin typeface="+mn-lt"/>
+                <a:ea typeface="+mn-ea"/>
+                <a:cs typeface="+mn-cs"/>
+              </a:rPr>
+              <a:t>|</a:t>
+            </a:r>
+            <a:r>
+              <a:rPr lang="zh-CN" altLang="en-US" sz="1200" kern="1200" dirty="0" smtClean="0">
+                <a:solidFill>
+                  <a:schemeClr val="tx1"/>
+                </a:solidFill>
+                <a:latin typeface="+mn-lt"/>
+                <a:ea typeface="+mn-ea"/>
+                <a:cs typeface="+mn-cs"/>
+              </a:rPr>
+              <a:t>智能解决方案</a:t>
+            </a:r>
+            <a:r>
+              <a:rPr lang="en-US" altLang="zh-CN" sz="1200" kern="1200" dirty="0" smtClean="0">
+                <a:solidFill>
+                  <a:schemeClr val="tx1"/>
+                </a:solidFill>
+                <a:latin typeface="+mn-lt"/>
+                <a:ea typeface="+mn-ea"/>
+                <a:cs typeface="+mn-cs"/>
+              </a:rPr>
+              <a:t>|BI</a:t>
+            </a:r>
+            <a:r>
+              <a:rPr lang="zh-CN" altLang="en-US" sz="1200" kern="1200" dirty="0" smtClean="0">
+                <a:solidFill>
+                  <a:schemeClr val="tx1"/>
+                </a:solidFill>
+                <a:latin typeface="+mn-lt"/>
+                <a:ea typeface="+mn-ea"/>
+                <a:cs typeface="+mn-cs"/>
+              </a:rPr>
+              <a:t>工具</a:t>
+            </a:r>
+            <a:r>
+              <a:rPr lang="en-US" altLang="zh-CN" sz="1200" kern="1200" dirty="0" smtClean="0">
+                <a:solidFill>
+                  <a:schemeClr val="tx1"/>
+                </a:solidFill>
+                <a:latin typeface="+mn-lt"/>
+                <a:ea typeface="+mn-ea"/>
+                <a:cs typeface="+mn-cs"/>
+              </a:rPr>
+              <a:t>|</a:t>
+            </a:r>
+            <a:r>
+              <a:rPr lang="zh-CN" altLang="en-US" sz="1200" kern="1200" dirty="0" smtClean="0">
+                <a:solidFill>
+                  <a:schemeClr val="tx1"/>
+                </a:solidFill>
+                <a:latin typeface="+mn-lt"/>
+                <a:ea typeface="+mn-ea"/>
+                <a:cs typeface="+mn-cs"/>
+              </a:rPr>
+              <a:t>企业大数据分析</a:t>
+            </a:r>
+            <a:r>
+              <a:rPr lang="en-US" altLang="zh-CN" sz="1200" kern="1200" dirty="0" smtClean="0">
+                <a:solidFill>
+                  <a:schemeClr val="tx1"/>
+                </a:solidFill>
+                <a:latin typeface="+mn-lt"/>
+                <a:ea typeface="+mn-ea"/>
+                <a:cs typeface="+mn-cs"/>
+              </a:rPr>
+              <a:t>|</a:t>
+            </a:r>
+            <a:r>
+              <a:rPr lang="zh-CN" altLang="en-US" sz="1200" kern="1200" dirty="0" smtClean="0">
+                <a:solidFill>
+                  <a:schemeClr val="tx1"/>
+                </a:solidFill>
+                <a:latin typeface="+mn-lt"/>
+                <a:ea typeface="+mn-ea"/>
+                <a:cs typeface="+mn-cs"/>
+              </a:rPr>
+              <a:t>商业智能软件</a:t>
+            </a:r>
+            <a:r>
+              <a:rPr lang="en-US" altLang="zh-CN" sz="1200" kern="1200" dirty="0" smtClean="0">
+                <a:solidFill>
+                  <a:schemeClr val="tx1"/>
+                </a:solidFill>
+                <a:latin typeface="+mn-lt"/>
+                <a:ea typeface="+mn-ea"/>
+                <a:cs typeface="+mn-cs"/>
+              </a:rPr>
+              <a:t>|</a:t>
+            </a:r>
+            <a:r>
+              <a:rPr lang="zh-CN" altLang="en-US" sz="1200" kern="1200" dirty="0" smtClean="0">
+                <a:solidFill>
+                  <a:schemeClr val="tx1"/>
+                </a:solidFill>
+                <a:latin typeface="+mn-lt"/>
+                <a:ea typeface="+mn-ea"/>
+                <a:cs typeface="+mn-cs"/>
+              </a:rPr>
+              <a:t>大数据</a:t>
+            </a:r>
+            <a:r>
+              <a:rPr lang="en-US" altLang="zh-CN" sz="1200" kern="1200" dirty="0" smtClean="0">
+                <a:solidFill>
+                  <a:schemeClr val="tx1"/>
+                </a:solidFill>
+                <a:latin typeface="+mn-lt"/>
+                <a:ea typeface="+mn-ea"/>
+                <a:cs typeface="+mn-cs"/>
+              </a:rPr>
+              <a:t>|</a:t>
+            </a:r>
+            <a:r>
+              <a:rPr lang="zh-CN" altLang="en-US" sz="1200" kern="1200" dirty="0" smtClean="0">
+                <a:solidFill>
+                  <a:schemeClr val="tx1"/>
+                </a:solidFill>
+                <a:latin typeface="+mn-lt"/>
+                <a:ea typeface="+mn-ea"/>
+                <a:cs typeface="+mn-cs"/>
+              </a:rPr>
+              <a:t>数据可视化</a:t>
+            </a:r>
+            <a:r>
+              <a:rPr lang="en-US" altLang="zh-CN" sz="1200" kern="1200" dirty="0" smtClean="0">
+                <a:solidFill>
+                  <a:schemeClr val="tx1"/>
+                </a:solidFill>
+                <a:latin typeface="+mn-lt"/>
+                <a:ea typeface="+mn-ea"/>
+                <a:cs typeface="+mn-cs"/>
+              </a:rPr>
+              <a:t>|</a:t>
+            </a:r>
+            <a:r>
+              <a:rPr lang="zh-CN" altLang="en-US" sz="1200" kern="1200" dirty="0" smtClean="0">
+                <a:solidFill>
+                  <a:schemeClr val="tx1"/>
+                </a:solidFill>
+                <a:latin typeface="+mn-lt"/>
+                <a:ea typeface="+mn-ea"/>
+                <a:cs typeface="+mn-cs"/>
+              </a:rPr>
+              <a:t>自助式</a:t>
+            </a:r>
+            <a:r>
+              <a:rPr lang="en-US" altLang="zh-CN" sz="1200" kern="1200" dirty="0" smtClean="0">
+                <a:solidFill>
+                  <a:schemeClr val="tx1"/>
+                </a:solidFill>
+                <a:latin typeface="+mn-lt"/>
+                <a:ea typeface="+mn-ea"/>
+                <a:cs typeface="+mn-cs"/>
+              </a:rPr>
+              <a:t>BI</a:t>
             </a:r>
             <a:endParaRPr kumimoji="1" lang="zh-CN" altLang="en-US" dirty="0"/>
           </a:p>
@@ -8943,7 +9255,7 @@
           <a:p>
             <a:fld id="{30E5BD0C-2667-BA41-90C5-58CB9DE5FD83}" type="slidenum">
               <a:rPr kumimoji="1" lang="zh-CN" altLang="en-US" smtClean="0"/>
-              <a:t>6</a:t>
+              <a:t>5</a:t>
             </a:fld>
             <a:endParaRPr kumimoji="1" lang="zh-CN" altLang="en-US"/>
           </a:p>
@@ -8952,7 +9264,7 @@
     </p:spTree>
     <p:extLst>
       <p:ext uri="{BB962C8B-B14F-4D97-AF65-F5344CB8AC3E}">
-        <p14:creationId xmlns:p14="http://schemas.microsoft.com/office/powerpoint/2010/main" val="747145459"/>
+        <p14:creationId xmlns:p14="http://schemas.microsoft.com/office/powerpoint/2010/main" val="3114647483"/>
       </p:ext>
     </p:extLst>
   </p:cSld>
@@ -9006,7 +9318,177 @@
           <a:bodyPr/>
           <a:lstStyle/>
           <a:p>
-            <a:endParaRPr kumimoji="1" lang="zh-CN" altLang="en-US"/>
+            <a:r>
+              <a:rPr lang="zh-CN" altLang="zh-CN" sz="1200" kern="1200" dirty="0" smtClean="0">
+                <a:solidFill>
+                  <a:schemeClr val="tx1"/>
+                </a:solidFill>
+                <a:effectLst/>
+                <a:latin typeface="+mn-lt"/>
+                <a:ea typeface="+mn-ea"/>
+                <a:cs typeface="+mn-cs"/>
+              </a:rPr>
+              <a:t>数字化，每个时间段的数据都是一个确切的坐标，只有记录了一切，才有可能描绘出完整的轨迹。</a:t>
+            </a:r>
+          </a:p>
+          <a:p>
+            <a:r>
+              <a:rPr lang="zh-CN" altLang="zh-CN" sz="1200" kern="1200" dirty="0" smtClean="0">
+                <a:solidFill>
+                  <a:schemeClr val="tx1"/>
+                </a:solidFill>
+                <a:effectLst/>
+                <a:latin typeface="+mn-lt"/>
+                <a:ea typeface="+mn-ea"/>
+                <a:cs typeface="+mn-cs"/>
+              </a:rPr>
+              <a:t>人生、企业发展，无非一段旅程，有迹可循，才能更好的把握方向，始终走在正确的道路上。</a:t>
+            </a:r>
+            <a:endParaRPr lang="en-US" altLang="zh-CN" sz="1200" kern="1200" dirty="0" smtClean="0">
+              <a:solidFill>
+                <a:schemeClr val="tx1"/>
+              </a:solidFill>
+              <a:effectLst/>
+              <a:latin typeface="+mn-lt"/>
+              <a:ea typeface="+mn-ea"/>
+              <a:cs typeface="+mn-cs"/>
+            </a:endParaRPr>
+          </a:p>
+          <a:p>
+            <a:endParaRPr lang="en-US" altLang="zh-CN" sz="1200" kern="1200" dirty="0" smtClean="0">
+              <a:solidFill>
+                <a:schemeClr val="tx1"/>
+              </a:solidFill>
+              <a:effectLst/>
+              <a:latin typeface="+mn-lt"/>
+              <a:ea typeface="+mn-ea"/>
+              <a:cs typeface="+mn-cs"/>
+            </a:endParaRPr>
+          </a:p>
+          <a:p>
+            <a:r>
+              <a:rPr lang="zh-CN" altLang="zh-CN" sz="1200" b="1" kern="1200" dirty="0" smtClean="0">
+                <a:solidFill>
+                  <a:schemeClr val="tx1"/>
+                </a:solidFill>
+                <a:effectLst/>
+                <a:latin typeface="+mn-lt"/>
+                <a:ea typeface="+mn-ea"/>
+                <a:cs typeface="+mn-cs"/>
+              </a:rPr>
+              <a:t>仪表化管理</a:t>
+            </a:r>
+            <a:endParaRPr lang="zh-CN" altLang="zh-CN" sz="1200" kern="1200" dirty="0" smtClean="0">
+              <a:solidFill>
+                <a:schemeClr val="tx1"/>
+              </a:solidFill>
+              <a:effectLst/>
+              <a:latin typeface="+mn-lt"/>
+              <a:ea typeface="+mn-ea"/>
+              <a:cs typeface="+mn-cs"/>
+            </a:endParaRPr>
+          </a:p>
+          <a:p>
+            <a:r>
+              <a:rPr lang="zh-CN" altLang="zh-CN" sz="1200" kern="1200" dirty="0" smtClean="0">
+                <a:solidFill>
+                  <a:schemeClr val="tx1"/>
+                </a:solidFill>
+                <a:effectLst/>
+                <a:latin typeface="+mn-lt"/>
+                <a:ea typeface="+mn-ea"/>
+                <a:cs typeface="+mn-cs"/>
+              </a:rPr>
+              <a:t> </a:t>
+            </a:r>
+            <a:r>
+              <a:rPr lang="en-US" altLang="zh-CN" sz="1200" kern="1200" dirty="0" smtClean="0">
+                <a:solidFill>
+                  <a:schemeClr val="tx1"/>
+                </a:solidFill>
+                <a:effectLst/>
+                <a:latin typeface="+mn-lt"/>
+                <a:ea typeface="+mn-ea"/>
+                <a:cs typeface="+mn-cs"/>
+              </a:rPr>
+              <a:t>	</a:t>
+            </a:r>
+            <a:r>
+              <a:rPr lang="zh-CN" altLang="zh-CN" sz="1200" kern="1200" dirty="0" smtClean="0">
+                <a:solidFill>
+                  <a:schemeClr val="tx1"/>
+                </a:solidFill>
+                <a:effectLst/>
+                <a:latin typeface="+mn-lt"/>
+                <a:ea typeface="+mn-ea"/>
+                <a:cs typeface="+mn-cs"/>
+              </a:rPr>
+              <a:t>对企业而言，所有的业务进程和标准的执行情况都必须实时反映在各类仪表盘上，以便让管理者和员工都一目了然。但能做到这一点的企业寥寥无几。事实上谁都明白，传统的监管方式早已漏洞百出，很多问题都无法及时发现。而一旦引入这种管理方式，许多问题就无处遁形了。问题将在第一时间被暴露出来并预警。就像汽车仪表盘上的各类报警灯。</a:t>
+            </a:r>
+          </a:p>
+          <a:p>
+            <a:r>
+              <a:rPr lang="zh-CN" altLang="zh-CN" sz="1200" kern="1200" dirty="0" smtClean="0">
+                <a:solidFill>
+                  <a:schemeClr val="tx1"/>
+                </a:solidFill>
+                <a:effectLst/>
+                <a:latin typeface="+mn-lt"/>
+                <a:ea typeface="+mn-ea"/>
+                <a:cs typeface="+mn-cs"/>
+              </a:rPr>
+              <a:t> </a:t>
+            </a:r>
+            <a:r>
+              <a:rPr lang="zh-CN" altLang="en-US" sz="1200" kern="1200" dirty="0" smtClean="0">
+                <a:solidFill>
+                  <a:schemeClr val="tx1"/>
+                </a:solidFill>
+                <a:effectLst/>
+                <a:latin typeface="+mn-lt"/>
+                <a:ea typeface="+mn-ea"/>
+                <a:cs typeface="+mn-cs"/>
+              </a:rPr>
+              <a:t> </a:t>
+            </a:r>
+            <a:r>
+              <a:rPr lang="en-US" altLang="zh-CN" sz="1200" kern="1200" dirty="0" smtClean="0">
+                <a:solidFill>
+                  <a:schemeClr val="tx1"/>
+                </a:solidFill>
+                <a:effectLst/>
+                <a:latin typeface="+mn-lt"/>
+                <a:ea typeface="+mn-ea"/>
+                <a:cs typeface="+mn-cs"/>
+              </a:rPr>
+              <a:t>	</a:t>
+            </a:r>
+            <a:r>
+              <a:rPr lang="zh-CN" altLang="zh-CN" sz="1200" kern="1200" dirty="0" smtClean="0">
+                <a:solidFill>
+                  <a:schemeClr val="tx1"/>
+                </a:solidFill>
+                <a:effectLst/>
+                <a:latin typeface="+mn-lt"/>
+                <a:ea typeface="+mn-ea"/>
+                <a:cs typeface="+mn-cs"/>
+              </a:rPr>
+              <a:t>公司就像一辆高速行车的汽车，需要时刻通过仪表盘来了解当前的运行状态，并根据路况信息做出及时调整。</a:t>
+            </a:r>
+          </a:p>
+          <a:p>
+            <a:endParaRPr lang="zh-CN" altLang="zh-CN" sz="1200" kern="1200" dirty="0" smtClean="0">
+              <a:solidFill>
+                <a:schemeClr val="tx1"/>
+              </a:solidFill>
+              <a:effectLst/>
+              <a:latin typeface="+mn-lt"/>
+              <a:ea typeface="+mn-ea"/>
+              <a:cs typeface="+mn-cs"/>
+            </a:endParaRPr>
+          </a:p>
+          <a:p>
+            <a:endParaRPr kumimoji="1" lang="zh-CN" altLang="en-US" dirty="0"/>
           </a:p>
         </p:txBody>
       </p:sp>
@@ -9027,7 +9509,300 @@
           <a:p>
             <a:fld id="{30E5BD0C-2667-BA41-90C5-58CB9DE5FD83}" type="slidenum">
               <a:rPr kumimoji="1" lang="zh-CN" altLang="en-US" smtClean="0"/>
+              <a:t>6</a:t>
+            </a:fld>
+            <a:endParaRPr kumimoji="1" lang="zh-CN" altLang="en-US"/>
+          </a:p>
+        </p:txBody>
+      </p:sp>
+    </p:spTree>
+    <p:extLst>
+      <p:ext uri="{BB962C8B-B14F-4D97-AF65-F5344CB8AC3E}">
+        <p14:creationId xmlns:p14="http://schemas.microsoft.com/office/powerpoint/2010/main" val="230199454"/>
+      </p:ext>
+    </p:extLst>
+  </p:cSld>
+  <p:clrMapOvr>
+    <a:masterClrMapping/>
+  </p:clrMapOvr>
+</p:notes>
+</file>
+
+<file path=ppt/notesSlides/notesSlide7.xml><?xml version="1.0" encoding="utf-8"?>
+<p:notes xmlns:a="http://schemas.openxmlformats.org/drawingml/2006/main" xmlns:r="http://schemas.openxmlformats.org/officeDocument/2006/relationships" xmlns:p="http://schemas.openxmlformats.org/presentationml/2006/main">
+  <p:cSld>
+    <p:spTree>
+      <p:nvGrpSpPr>
+        <p:cNvPr id="1" name=""/>
+        <p:cNvGrpSpPr/>
+        <p:nvPr/>
+      </p:nvGrpSpPr>
+      <p:grpSpPr>
+        <a:xfrm>
+          <a:off x="0" y="0"/>
+          <a:ext cx="0" cy="0"/>
+          <a:chOff x="0" y="0"/>
+          <a:chExt cx="0" cy="0"/>
+        </a:xfrm>
+      </p:grpSpPr>
+      <p:sp>
+        <p:nvSpPr>
+          <p:cNvPr id="2" name="幻灯片图像占位符 1"/>
+          <p:cNvSpPr>
+            <a:spLocks noGrp="1" noRot="1" noChangeAspect="1"/>
+          </p:cNvSpPr>
+          <p:nvPr>
+            <p:ph type="sldImg"/>
+          </p:nvPr>
+        </p:nvSpPr>
+        <p:spPr/>
+      </p:sp>
+      <p:sp>
+        <p:nvSpPr>
+          <p:cNvPr id="3" name="备注占位符 2"/>
+          <p:cNvSpPr>
+            <a:spLocks noGrp="1"/>
+          </p:cNvSpPr>
+          <p:nvPr>
+            <p:ph type="body" idx="1"/>
+          </p:nvPr>
+        </p:nvSpPr>
+        <p:spPr/>
+        <p:txBody>
+          <a:bodyPr/>
+          <a:lstStyle/>
+          <a:p>
+            <a:r>
+              <a:rPr kumimoji="1" lang="en-US" altLang="zh-CN" dirty="0" smtClean="0"/>
+              <a:t>【</a:t>
+            </a:r>
+            <a:r>
+              <a:rPr kumimoji="1" lang="zh-CN" altLang="en-US" dirty="0" smtClean="0"/>
+              <a:t>百度百科</a:t>
+            </a:r>
+            <a:r>
+              <a:rPr kumimoji="1" lang="en-US" altLang="zh-CN" dirty="0" smtClean="0"/>
+              <a:t>】</a:t>
+            </a:r>
+            <a:r>
+              <a:rPr kumimoji="1" lang="zh-CN" altLang="en-US" dirty="0" smtClean="0"/>
+              <a:t>数据分析是指用适当的统计分析方法对收集来的大量数据进行分析，提取有用信息和形成结论而对数据加以详细研究和概括总结的过程。这一过程也是质量管理体系的支持过程。在实用中，数据分析可帮助人们作出判断，以便采取适当行动。</a:t>
+            </a:r>
+            <a:endParaRPr kumimoji="1" lang="en-US" altLang="zh-CN" dirty="0" smtClean="0"/>
+          </a:p>
+          <a:p>
+            <a:endParaRPr kumimoji="1" lang="en-US" altLang="zh-CN" dirty="0" smtClean="0"/>
+          </a:p>
+        </p:txBody>
+      </p:sp>
+      <p:sp>
+        <p:nvSpPr>
+          <p:cNvPr id="4" name="幻灯片编号占位符 3"/>
+          <p:cNvSpPr>
+            <a:spLocks noGrp="1"/>
+          </p:cNvSpPr>
+          <p:nvPr>
+            <p:ph type="sldNum" sz="quarter" idx="10"/>
+          </p:nvPr>
+        </p:nvSpPr>
+        <p:spPr/>
+        <p:txBody>
+          <a:bodyPr/>
+          <a:lstStyle/>
+          <a:p>
+            <a:fld id="{30E5BD0C-2667-BA41-90C5-58CB9DE5FD83}" type="slidenum">
+              <a:rPr kumimoji="1" lang="zh-CN" altLang="en-US" smtClean="0"/>
               <a:t>7</a:t>
+            </a:fld>
+            <a:endParaRPr kumimoji="1" lang="zh-CN" altLang="en-US"/>
+          </a:p>
+        </p:txBody>
+      </p:sp>
+    </p:spTree>
+    <p:extLst>
+      <p:ext uri="{BB962C8B-B14F-4D97-AF65-F5344CB8AC3E}">
+        <p14:creationId xmlns:p14="http://schemas.microsoft.com/office/powerpoint/2010/main" val="3861733618"/>
+      </p:ext>
+    </p:extLst>
+  </p:cSld>
+  <p:clrMapOvr>
+    <a:masterClrMapping/>
+  </p:clrMapOvr>
+</p:notes>
+</file>
+
+<file path=ppt/notesSlides/notesSlide8.xml><?xml version="1.0" encoding="utf-8"?>
+<p:notes xmlns:a="http://schemas.openxmlformats.org/drawingml/2006/main" xmlns:r="http://schemas.openxmlformats.org/officeDocument/2006/relationships" xmlns:p="http://schemas.openxmlformats.org/presentationml/2006/main">
+  <p:cSld>
+    <p:spTree>
+      <p:nvGrpSpPr>
+        <p:cNvPr id="1" name=""/>
+        <p:cNvGrpSpPr/>
+        <p:nvPr/>
+      </p:nvGrpSpPr>
+      <p:grpSpPr>
+        <a:xfrm>
+          <a:off x="0" y="0"/>
+          <a:ext cx="0" cy="0"/>
+          <a:chOff x="0" y="0"/>
+          <a:chExt cx="0" cy="0"/>
+        </a:xfrm>
+      </p:grpSpPr>
+      <p:sp>
+        <p:nvSpPr>
+          <p:cNvPr id="2" name="幻灯片图像占位符 1"/>
+          <p:cNvSpPr>
+            <a:spLocks noGrp="1" noRot="1" noChangeAspect="1"/>
+          </p:cNvSpPr>
+          <p:nvPr>
+            <p:ph type="sldImg"/>
+          </p:nvPr>
+        </p:nvSpPr>
+        <p:spPr/>
+      </p:sp>
+      <p:sp>
+        <p:nvSpPr>
+          <p:cNvPr id="3" name="备注占位符 2"/>
+          <p:cNvSpPr>
+            <a:spLocks noGrp="1"/>
+          </p:cNvSpPr>
+          <p:nvPr>
+            <p:ph type="body" idx="1"/>
+          </p:nvPr>
+        </p:nvSpPr>
+        <p:spPr/>
+        <p:txBody>
+          <a:bodyPr/>
+          <a:lstStyle/>
+          <a:p>
+            <a:r>
+              <a:rPr kumimoji="1" lang="zh-CN" altLang="en-US" dirty="0" smtClean="0"/>
+              <a:t>数据产品 </a:t>
+            </a:r>
+            <a:r>
+              <a:rPr kumimoji="1" lang="en-US" altLang="zh-CN" dirty="0" smtClean="0"/>
+              <a:t>=</a:t>
+            </a:r>
+            <a:r>
+              <a:rPr kumimoji="1" lang="zh-CN" altLang="en-US" dirty="0" smtClean="0"/>
+              <a:t> 一整套完善的解决方案</a:t>
+            </a:r>
+            <a:endParaRPr kumimoji="1" lang="en-US" altLang="zh-CN" dirty="0" smtClean="0"/>
+          </a:p>
+          <a:p>
+            <a:endParaRPr kumimoji="1" lang="en-US" altLang="zh-CN" dirty="0" smtClean="0"/>
+          </a:p>
+          <a:p>
+            <a:r>
+              <a:rPr kumimoji="1" lang="zh-CN" altLang="en-US" dirty="0" smtClean="0"/>
+              <a:t>数据分析不再只是分析报告、数据图表，它成为人们构建这个流程的一种贯穿始终的思想，流程中的每个环节都会有数据分析的内容存在，以数据的结果驱动产品、渠道、投入资源等等内容的配合，共同构成该业务场景下的完整业务流程。这一流程不能是靠手工来完成，一定是自动化的，人只是这一流程中起决策作用的节点而已。</a:t>
+            </a:r>
+            <a:endParaRPr kumimoji="1" lang="zh-CN" altLang="en-US" dirty="0"/>
+          </a:p>
+        </p:txBody>
+      </p:sp>
+      <p:sp>
+        <p:nvSpPr>
+          <p:cNvPr id="4" name="幻灯片编号占位符 3"/>
+          <p:cNvSpPr>
+            <a:spLocks noGrp="1"/>
+          </p:cNvSpPr>
+          <p:nvPr>
+            <p:ph type="sldNum" sz="quarter" idx="10"/>
+          </p:nvPr>
+        </p:nvSpPr>
+        <p:spPr/>
+        <p:txBody>
+          <a:bodyPr/>
+          <a:lstStyle/>
+          <a:p>
+            <a:fld id="{30E5BD0C-2667-BA41-90C5-58CB9DE5FD83}" type="slidenum">
+              <a:rPr kumimoji="1" lang="zh-CN" altLang="en-US" smtClean="0"/>
+              <a:t>8</a:t>
+            </a:fld>
+            <a:endParaRPr kumimoji="1" lang="zh-CN" altLang="en-US"/>
+          </a:p>
+        </p:txBody>
+      </p:sp>
+    </p:spTree>
+    <p:extLst>
+      <p:ext uri="{BB962C8B-B14F-4D97-AF65-F5344CB8AC3E}">
+        <p14:creationId xmlns:p14="http://schemas.microsoft.com/office/powerpoint/2010/main" val="747145459"/>
+      </p:ext>
+    </p:extLst>
+  </p:cSld>
+  <p:clrMapOvr>
+    <a:masterClrMapping/>
+  </p:clrMapOvr>
+</p:notes>
+</file>
+
+<file path=ppt/notesSlides/notesSlide9.xml><?xml version="1.0" encoding="utf-8"?>
+<p:notes xmlns:a="http://schemas.openxmlformats.org/drawingml/2006/main" xmlns:r="http://schemas.openxmlformats.org/officeDocument/2006/relationships" xmlns:p="http://schemas.openxmlformats.org/presentationml/2006/main">
+  <p:cSld>
+    <p:spTree>
+      <p:nvGrpSpPr>
+        <p:cNvPr id="1" name=""/>
+        <p:cNvGrpSpPr/>
+        <p:nvPr/>
+      </p:nvGrpSpPr>
+      <p:grpSpPr>
+        <a:xfrm>
+          <a:off x="0" y="0"/>
+          <a:ext cx="0" cy="0"/>
+          <a:chOff x="0" y="0"/>
+          <a:chExt cx="0" cy="0"/>
+        </a:xfrm>
+      </p:grpSpPr>
+      <p:sp>
+        <p:nvSpPr>
+          <p:cNvPr id="2" name="幻灯片图像占位符 1"/>
+          <p:cNvSpPr>
+            <a:spLocks noGrp="1" noRot="1" noChangeAspect="1"/>
+          </p:cNvSpPr>
+          <p:nvPr>
+            <p:ph type="sldImg"/>
+          </p:nvPr>
+        </p:nvSpPr>
+        <p:spPr/>
+      </p:sp>
+      <p:sp>
+        <p:nvSpPr>
+          <p:cNvPr id="3" name="备注占位符 2"/>
+          <p:cNvSpPr>
+            <a:spLocks noGrp="1"/>
+          </p:cNvSpPr>
+          <p:nvPr>
+            <p:ph type="body" idx="1"/>
+          </p:nvPr>
+        </p:nvSpPr>
+        <p:spPr/>
+        <p:txBody>
+          <a:bodyPr/>
+          <a:lstStyle/>
+          <a:p>
+            <a:endParaRPr kumimoji="1" lang="zh-CN" altLang="en-US" dirty="0"/>
+          </a:p>
+        </p:txBody>
+      </p:sp>
+      <p:sp>
+        <p:nvSpPr>
+          <p:cNvPr id="4" name="幻灯片编号占位符 3"/>
+          <p:cNvSpPr>
+            <a:spLocks noGrp="1"/>
+          </p:cNvSpPr>
+          <p:nvPr>
+            <p:ph type="sldNum" sz="quarter" idx="10"/>
+          </p:nvPr>
+        </p:nvSpPr>
+        <p:spPr/>
+        <p:txBody>
+          <a:bodyPr/>
+          <a:lstStyle/>
+          <a:p>
+            <a:fld id="{30E5BD0C-2667-BA41-90C5-58CB9DE5FD83}" type="slidenum">
+              <a:rPr kumimoji="1" lang="zh-CN" altLang="en-US" smtClean="0"/>
+              <a:t>9</a:t>
             </a:fld>
             <a:endParaRPr kumimoji="1" lang="zh-CN" altLang="en-US"/>
           </a:p>
@@ -9227,7 +10002,7 @@
           <a:p>
             <a:fld id="{D7B12BEA-236C-5749-AF49-060B228B08C5}" type="datetimeFigureOut">
               <a:rPr kumimoji="1" lang="zh-CN" altLang="en-US" smtClean="0"/>
-              <a:t>17/2/22</a:t>
+              <a:t>17/2/23</a:t>
             </a:fld>
             <a:endParaRPr kumimoji="1" lang="zh-CN" altLang="en-US"/>
           </a:p>
@@ -9397,7 +10172,7 @@
           <a:p>
             <a:fld id="{D7B12BEA-236C-5749-AF49-060B228B08C5}" type="datetimeFigureOut">
               <a:rPr kumimoji="1" lang="zh-CN" altLang="en-US" smtClean="0"/>
-              <a:t>17/2/22</a:t>
+              <a:t>17/2/23</a:t>
             </a:fld>
             <a:endParaRPr kumimoji="1" lang="zh-CN" altLang="en-US"/>
           </a:p>
@@ -9577,7 +10352,7 @@
           <a:p>
             <a:fld id="{D7B12BEA-236C-5749-AF49-060B228B08C5}" type="datetimeFigureOut">
               <a:rPr kumimoji="1" lang="zh-CN" altLang="en-US" smtClean="0"/>
-              <a:t>17/2/22</a:t>
+              <a:t>17/2/23</a:t>
             </a:fld>
             <a:endParaRPr kumimoji="1" lang="zh-CN" altLang="en-US"/>
           </a:p>
@@ -9747,7 +10522,7 @@
           <a:p>
             <a:fld id="{D7B12BEA-236C-5749-AF49-060B228B08C5}" type="datetimeFigureOut">
               <a:rPr kumimoji="1" lang="zh-CN" altLang="en-US" smtClean="0"/>
-              <a:t>17/2/22</a:t>
+              <a:t>17/2/23</a:t>
             </a:fld>
             <a:endParaRPr kumimoji="1" lang="zh-CN" altLang="en-US"/>
           </a:p>
@@ -9993,7 +10768,7 @@
           <a:p>
             <a:fld id="{D7B12BEA-236C-5749-AF49-060B228B08C5}" type="datetimeFigureOut">
               <a:rPr kumimoji="1" lang="zh-CN" altLang="en-US" smtClean="0"/>
-              <a:t>17/2/22</a:t>
+              <a:t>17/2/23</a:t>
             </a:fld>
             <a:endParaRPr kumimoji="1" lang="zh-CN" altLang="en-US"/>
           </a:p>
@@ -10281,7 +11056,7 @@
           <a:p>
             <a:fld id="{D7B12BEA-236C-5749-AF49-060B228B08C5}" type="datetimeFigureOut">
               <a:rPr kumimoji="1" lang="zh-CN" altLang="en-US" smtClean="0"/>
-              <a:t>17/2/22</a:t>
+              <a:t>17/2/23</a:t>
             </a:fld>
             <a:endParaRPr kumimoji="1" lang="zh-CN" altLang="en-US"/>
           </a:p>
@@ -10703,7 +11478,7 @@
           <a:p>
             <a:fld id="{D7B12BEA-236C-5749-AF49-060B228B08C5}" type="datetimeFigureOut">
               <a:rPr kumimoji="1" lang="zh-CN" altLang="en-US" smtClean="0"/>
-              <a:t>17/2/22</a:t>
+              <a:t>17/2/23</a:t>
             </a:fld>
             <a:endParaRPr kumimoji="1" lang="zh-CN" altLang="en-US"/>
           </a:p>
@@ -10821,7 +11596,7 @@
           <a:p>
             <a:fld id="{D7B12BEA-236C-5749-AF49-060B228B08C5}" type="datetimeFigureOut">
               <a:rPr kumimoji="1" lang="zh-CN" altLang="en-US" smtClean="0"/>
-              <a:t>17/2/22</a:t>
+              <a:t>17/2/23</a:t>
             </a:fld>
             <a:endParaRPr kumimoji="1" lang="zh-CN" altLang="en-US"/>
           </a:p>
@@ -10916,7 +11691,7 @@
           <a:p>
             <a:fld id="{D7B12BEA-236C-5749-AF49-060B228B08C5}" type="datetimeFigureOut">
               <a:rPr kumimoji="1" lang="zh-CN" altLang="en-US" smtClean="0"/>
-              <a:t>17/2/22</a:t>
+              <a:t>17/2/23</a:t>
             </a:fld>
             <a:endParaRPr kumimoji="1" lang="zh-CN" altLang="en-US"/>
           </a:p>
@@ -11193,7 +11968,7 @@
           <a:p>
             <a:fld id="{D7B12BEA-236C-5749-AF49-060B228B08C5}" type="datetimeFigureOut">
               <a:rPr kumimoji="1" lang="zh-CN" altLang="en-US" smtClean="0"/>
-              <a:t>17/2/22</a:t>
+              <a:t>17/2/23</a:t>
             </a:fld>
             <a:endParaRPr kumimoji="1" lang="zh-CN" altLang="en-US"/>
           </a:p>
@@ -11446,7 +12221,7 @@
           <a:p>
             <a:fld id="{D7B12BEA-236C-5749-AF49-060B228B08C5}" type="datetimeFigureOut">
               <a:rPr kumimoji="1" lang="zh-CN" altLang="en-US" smtClean="0"/>
-              <a:t>17/2/22</a:t>
+              <a:t>17/2/23</a:t>
             </a:fld>
             <a:endParaRPr kumimoji="1" lang="zh-CN" altLang="en-US"/>
           </a:p>
@@ -11659,7 +12434,7 @@
           <a:p>
             <a:fld id="{D7B12BEA-236C-5749-AF49-060B228B08C5}" type="datetimeFigureOut">
               <a:rPr kumimoji="1" lang="zh-CN" altLang="en-US" smtClean="0"/>
-              <a:t>17/2/22</a:t>
+              <a:t>17/2/23</a:t>
             </a:fld>
             <a:endParaRPr kumimoji="1" lang="zh-CN" altLang="en-US"/>
           </a:p>
@@ -12046,18 +12821,24 @@
         </p:nvSpPr>
         <p:spPr/>
         <p:txBody>
-          <a:bodyPr/>
+          <a:bodyPr>
+            <a:normAutofit/>
+          </a:bodyPr>
           <a:lstStyle/>
           <a:p>
             <a:r>
-              <a:rPr kumimoji="1" lang="en-US" altLang="zh-CN" dirty="0" smtClean="0"/>
+              <a:rPr kumimoji="1" lang="en-US" altLang="zh-CN" sz="6000" dirty="0" smtClean="0"/>
               <a:t>TSS</a:t>
             </a:r>
             <a:r>
-              <a:rPr kumimoji="1" lang="zh-CN" altLang="en-US" dirty="0" smtClean="0"/>
-              <a:t> 介绍</a:t>
-            </a:r>
-            <a:endParaRPr kumimoji="1" lang="zh-CN" altLang="en-US" dirty="0"/>
+              <a:rPr kumimoji="1" lang="zh-CN" altLang="en-US" sz="6000" dirty="0"/>
+              <a:t>（它山石</a:t>
+            </a:r>
+            <a:r>
+              <a:rPr kumimoji="1" lang="zh-CN" altLang="en-US" sz="6000" dirty="0" smtClean="0"/>
+              <a:t>）介绍</a:t>
+            </a:r>
+            <a:endParaRPr kumimoji="1" lang="zh-CN" altLang="en-US" sz="6000" dirty="0"/>
           </a:p>
         </p:txBody>
       </p:sp>
@@ -12114,8 +12895,12 @@
           <a:lstStyle/>
           <a:p>
             <a:r>
+              <a:rPr kumimoji="1" lang="en-US" altLang="zh-CN" dirty="0" smtClean="0"/>
+              <a:t>TSS</a:t>
+            </a:r>
+            <a:r>
               <a:rPr kumimoji="1" lang="zh-CN" altLang="en-US" dirty="0" smtClean="0"/>
-              <a:t>大纲</a:t>
+              <a:t>是什么？</a:t>
             </a:r>
             <a:endParaRPr kumimoji="1" lang="zh-CN" altLang="en-US" dirty="0"/>
           </a:p>
@@ -12131,46 +12916,154 @@
             <p:ph idx="1"/>
           </p:nvPr>
         </p:nvSpPr>
-        <p:spPr/>
+        <p:spPr>
+          <a:xfrm>
+            <a:off x="457200" y="1600200"/>
+            <a:ext cx="8229600" cy="4749800"/>
+          </a:xfrm>
+        </p:spPr>
         <p:txBody>
           <a:bodyPr>
             <a:normAutofit/>
           </a:bodyPr>
           <a:lstStyle/>
           <a:p>
-            <a:r>
-              <a:rPr lang="zh-CN" altLang="en-US" sz="2800" dirty="0" smtClean="0"/>
-              <a:t>定位 （上思维导图）</a:t>
-            </a:r>
-            <a:endParaRPr lang="en-US" altLang="zh-CN" sz="2800" dirty="0" smtClean="0"/>
-          </a:p>
-          <a:p>
-            <a:r>
-              <a:rPr lang="zh-CN" altLang="en-US" sz="2800" dirty="0" smtClean="0"/>
-              <a:t>架构</a:t>
-            </a:r>
-            <a:endParaRPr lang="en-US" altLang="zh-CN" sz="2800" dirty="0" smtClean="0"/>
-          </a:p>
-          <a:p>
-            <a:r>
-              <a:rPr kumimoji="1" lang="en-US" altLang="zh-CN" sz="2800" dirty="0" err="1" smtClean="0"/>
-              <a:t>Boubei.com</a:t>
-            </a:r>
-            <a:r>
-              <a:rPr kumimoji="1" lang="zh-CN" altLang="en-US" sz="2800" smtClean="0"/>
-              <a:t>获取帮助</a:t>
+            <a:pPr>
+              <a:lnSpc>
+                <a:spcPct val="120000"/>
+              </a:lnSpc>
+            </a:pPr>
+            <a:r>
+              <a:rPr kumimoji="1" lang="zh-CN" altLang="en-US" sz="2800" dirty="0" smtClean="0"/>
+              <a:t>一个软件：</a:t>
+            </a:r>
+            <a:r>
+              <a:rPr kumimoji="1" lang="en-US" altLang="zh-CN" sz="2800" dirty="0" smtClean="0"/>
+              <a:t>B</a:t>
+            </a:r>
+            <a:r>
+              <a:rPr kumimoji="1" lang="zh-CN" altLang="en-US" sz="2800" dirty="0"/>
+              <a:t>/</a:t>
+            </a:r>
+            <a:r>
+              <a:rPr kumimoji="1" lang="en-US" altLang="zh-CN" sz="2800" dirty="0" smtClean="0"/>
+              <a:t>S</a:t>
+            </a:r>
+            <a:r>
+              <a:rPr kumimoji="1" lang="zh-CN" altLang="en-US" sz="2800" dirty="0" smtClean="0"/>
+              <a:t>，</a:t>
+            </a:r>
+            <a:r>
+              <a:rPr kumimoji="1" lang="en-US" altLang="zh-CN" sz="2800" dirty="0" smtClean="0"/>
+              <a:t>SOA</a:t>
+            </a:r>
+            <a:r>
+              <a:rPr kumimoji="1" lang="zh-CN" altLang="en-US" sz="2800" dirty="0" smtClean="0"/>
+              <a:t>（面向服务架构）</a:t>
             </a:r>
             <a:endParaRPr kumimoji="1" lang="en-US" altLang="zh-CN" sz="2800" dirty="0" smtClean="0"/>
           </a:p>
           <a:p>
-            <a:endParaRPr kumimoji="1" lang="zh-CN" altLang="en-US" sz="2400" dirty="0"/>
+            <a:pPr>
+              <a:lnSpc>
+                <a:spcPct val="120000"/>
+              </a:lnSpc>
+            </a:pPr>
+            <a:r>
+              <a:rPr kumimoji="1" lang="zh-CN" altLang="en-US" sz="2800" dirty="0" smtClean="0"/>
+              <a:t>数据</a:t>
+            </a:r>
+            <a:r>
+              <a:rPr kumimoji="1" lang="zh-CN" altLang="en-US" sz="2800" dirty="0"/>
+              <a:t>管理</a:t>
+            </a:r>
+            <a:r>
+              <a:rPr kumimoji="1" lang="zh-CN" altLang="en-US" sz="2800" dirty="0" smtClean="0"/>
+              <a:t>平台：可全方位管理数据的</a:t>
+            </a:r>
+            <a:r>
+              <a:rPr kumimoji="1" lang="zh-CN" altLang="en-US" sz="2800" dirty="0"/>
+              <a:t>生成、</a:t>
+            </a:r>
+            <a:r>
+              <a:rPr kumimoji="1" lang="zh-CN" altLang="en-US" sz="2800" dirty="0" smtClean="0"/>
+              <a:t>流转、</a:t>
+            </a:r>
+            <a:r>
+              <a:rPr kumimoji="1" lang="zh-CN" altLang="en-US" sz="2800" dirty="0"/>
+              <a:t>分析、呈现、感知、分发、共</a:t>
+            </a:r>
+            <a:r>
+              <a:rPr kumimoji="1" lang="zh-CN" altLang="en-US" sz="2800" dirty="0" smtClean="0"/>
+              <a:t>享</a:t>
+            </a:r>
+            <a:endParaRPr kumimoji="1" lang="en-US" altLang="zh-CN" sz="2800" dirty="0" smtClean="0"/>
+          </a:p>
+          <a:p>
+            <a:pPr>
+              <a:lnSpc>
+                <a:spcPct val="120000"/>
+              </a:lnSpc>
+            </a:pPr>
+            <a:r>
+              <a:rPr kumimoji="1" lang="zh-CN" altLang="en-US" sz="2800" dirty="0" smtClean="0"/>
+              <a:t>插件式二次开发平台：报表、录入、门户、栏目文章、定时任务</a:t>
+            </a:r>
+            <a:endParaRPr kumimoji="1" lang="en-US" altLang="zh-CN" sz="2800" dirty="0" smtClean="0"/>
+          </a:p>
+          <a:p>
+            <a:pPr>
+              <a:lnSpc>
+                <a:spcPct val="120000"/>
+              </a:lnSpc>
+            </a:pPr>
+            <a:r>
+              <a:rPr kumimoji="1" lang="zh-CN" altLang="en-US" sz="2800" dirty="0" smtClean="0"/>
+              <a:t>基于</a:t>
+            </a:r>
+            <a:r>
+              <a:rPr kumimoji="1" lang="en-US" altLang="zh-CN" sz="2800" dirty="0" smtClean="0"/>
+              <a:t>MIT</a:t>
+            </a:r>
+            <a:r>
+              <a:rPr kumimoji="1" lang="zh-CN" altLang="en-US" sz="2800" dirty="0" smtClean="0"/>
+              <a:t>许可协议的开源项目</a:t>
+            </a:r>
+            <a:endParaRPr kumimoji="1" lang="en-US" altLang="zh-CN" sz="2800" dirty="0" smtClean="0"/>
+          </a:p>
+          <a:p>
+            <a:pPr>
+              <a:lnSpc>
+                <a:spcPct val="120000"/>
+              </a:lnSpc>
+            </a:pPr>
+            <a:r>
+              <a:rPr kumimoji="1" lang="zh-CN" altLang="en-US" sz="2800" dirty="0" smtClean="0"/>
+              <a:t>交流学习的社区</a:t>
+            </a:r>
+            <a:endParaRPr kumimoji="1" lang="en-US" altLang="zh-CN" sz="2800" dirty="0" smtClean="0"/>
+          </a:p>
+          <a:p>
+            <a:pPr>
+              <a:lnSpc>
+                <a:spcPct val="120000"/>
+              </a:lnSpc>
+            </a:pPr>
+            <a:r>
+              <a:rPr kumimoji="1" lang="zh-CN" altLang="en-US" sz="2800" dirty="0" smtClean="0"/>
+              <a:t>你可以带它到任何地方</a:t>
+            </a:r>
+            <a:endParaRPr kumimoji="1" lang="en-US" altLang="zh-CN" sz="2800" dirty="0" smtClean="0"/>
+          </a:p>
+          <a:p>
+            <a:endParaRPr kumimoji="1" lang="en-US" altLang="zh-CN" dirty="0" smtClean="0"/>
           </a:p>
         </p:txBody>
       </p:sp>
     </p:spTree>
     <p:extLst>
       <p:ext uri="{BB962C8B-B14F-4D97-AF65-F5344CB8AC3E}">
-        <p14:creationId xmlns:p14="http://schemas.microsoft.com/office/powerpoint/2010/main" val="264709471"/>
+        <p14:creationId xmlns:p14="http://schemas.microsoft.com/office/powerpoint/2010/main" val="3728901801"/>
       </p:ext>
     </p:extLst>
   </p:cSld>
@@ -12224,8 +13117,12 @@
               <a:t>TSS</a:t>
             </a:r>
             <a:r>
+              <a:rPr kumimoji="1" lang="zh-CN" altLang="en-US" dirty="0"/>
+              <a:t> </a:t>
+            </a:r>
+            <a:r>
               <a:rPr kumimoji="1" lang="zh-CN" altLang="en-US" dirty="0" smtClean="0"/>
-              <a:t>是什么？</a:t>
+              <a:t>作用</a:t>
             </a:r>
             <a:endParaRPr kumimoji="1" lang="zh-CN" altLang="en-US" dirty="0"/>
           </a:p>
@@ -12241,59 +13138,251 @@
             <p:ph idx="1"/>
           </p:nvPr>
         </p:nvSpPr>
-        <p:spPr/>
+        <p:spPr>
+          <a:xfrm>
+            <a:off x="457200" y="1600201"/>
+            <a:ext cx="4402667" cy="4851400"/>
+          </a:xfrm>
+        </p:spPr>
         <p:txBody>
-          <a:bodyPr/>
+          <a:bodyPr>
+            <a:normAutofit/>
+          </a:bodyPr>
           <a:lstStyle/>
           <a:p>
-            <a:r>
-              <a:rPr kumimoji="1" lang="zh-CN" altLang="en-US" dirty="0"/>
-              <a:t>它山石（简称</a:t>
-            </a:r>
-            <a:r>
-              <a:rPr kumimoji="1" lang="en-US" altLang="zh-CN" dirty="0"/>
-              <a:t>TSS</a:t>
-            </a:r>
-            <a:r>
-              <a:rPr kumimoji="1" lang="zh-CN" altLang="en-US" dirty="0"/>
-              <a:t>）</a:t>
-            </a:r>
+            <a:pPr>
+              <a:lnSpc>
+                <a:spcPct val="110000"/>
+              </a:lnSpc>
+            </a:pPr>
+            <a:r>
+              <a:rPr kumimoji="1" lang="zh-CN" altLang="en-US" sz="2400" dirty="0" smtClean="0">
+                <a:sym typeface="Wingdings"/>
+              </a:rPr>
+              <a:t>快速入门</a:t>
+            </a:r>
+            <a:endParaRPr kumimoji="1" lang="en-US" altLang="zh-CN" sz="2400" dirty="0" smtClean="0"/>
+          </a:p>
+          <a:p>
+            <a:pPr>
+              <a:lnSpc>
+                <a:spcPct val="110000"/>
+              </a:lnSpc>
+            </a:pPr>
+            <a:r>
+              <a:rPr kumimoji="1" lang="zh-CN" altLang="en-US" sz="2400" dirty="0" smtClean="0"/>
+              <a:t>简化开发流程</a:t>
+            </a:r>
+            <a:r>
+              <a:rPr kumimoji="1" lang="zh-CN" altLang="zh-CN" sz="2400" dirty="0" smtClean="0"/>
+              <a:t>：</a:t>
+            </a:r>
+            <a:r>
+              <a:rPr kumimoji="1" lang="zh-CN" altLang="en-US" sz="2400" dirty="0" smtClean="0"/>
+              <a:t>业务 </a:t>
+            </a:r>
+            <a:r>
+              <a:rPr kumimoji="1" lang="zh-CN" altLang="en-US" sz="2400" dirty="0" smtClean="0">
+                <a:sym typeface="Wingdings"/>
+              </a:rPr>
+              <a:t>- 开发</a:t>
+            </a:r>
+            <a:endParaRPr kumimoji="1" lang="en-US" altLang="zh-CN" sz="2400" dirty="0" smtClean="0">
+              <a:sym typeface="Wingdings"/>
+            </a:endParaRPr>
+          </a:p>
+          <a:p>
+            <a:pPr>
+              <a:lnSpc>
+                <a:spcPct val="110000"/>
+              </a:lnSpc>
+            </a:pPr>
+            <a:r>
+              <a:rPr kumimoji="1" lang="zh-CN" altLang="en-US" sz="2400" dirty="0" smtClean="0"/>
+              <a:t>管理用户</a:t>
+            </a:r>
+            <a:r>
+              <a:rPr kumimoji="1" lang="zh-CN" altLang="en-US" sz="2400" dirty="0" smtClean="0"/>
+              <a:t>、组织、</a:t>
+            </a:r>
+            <a:r>
+              <a:rPr kumimoji="1" lang="zh-CN" altLang="en-US" sz="2400" dirty="0" smtClean="0"/>
+              <a:t>角色</a:t>
+            </a:r>
+            <a:r>
+              <a:rPr kumimoji="1" lang="zh-CN" altLang="zh-CN" sz="2400" dirty="0"/>
+              <a:t>、</a:t>
+            </a:r>
+            <a:r>
+              <a:rPr kumimoji="1" lang="zh-CN" altLang="en-US" sz="2400" dirty="0" smtClean="0"/>
+              <a:t>资源</a:t>
+            </a:r>
+            <a:r>
+              <a:rPr kumimoji="1" lang="zh-CN" altLang="en-US" sz="2400" dirty="0" smtClean="0"/>
+              <a:t>、权限</a:t>
+            </a:r>
+            <a:endParaRPr kumimoji="1" lang="en-US" altLang="zh-CN" sz="2400" dirty="0" smtClean="0"/>
+          </a:p>
+          <a:p>
+            <a:pPr>
+              <a:lnSpc>
+                <a:spcPct val="110000"/>
+              </a:lnSpc>
+            </a:pPr>
+            <a:r>
+              <a:rPr kumimoji="1" lang="zh-CN" altLang="en-US" sz="2400" dirty="0" smtClean="0"/>
+              <a:t>管理栏</a:t>
+            </a:r>
+            <a:r>
+              <a:rPr kumimoji="1" lang="zh-CN" altLang="en-US" sz="2400" dirty="0" smtClean="0"/>
+              <a:t>目文章</a:t>
+            </a:r>
+            <a:r>
+              <a:rPr kumimoji="1" lang="zh-CN" altLang="zh-CN" sz="2400" dirty="0"/>
+              <a:t>、</a:t>
+            </a:r>
+            <a:r>
+              <a:rPr kumimoji="1" lang="zh-CN" altLang="en-US" sz="2400" dirty="0" smtClean="0"/>
+              <a:t>门户</a:t>
+            </a:r>
+            <a:endParaRPr kumimoji="1" lang="en-US" altLang="zh-CN" sz="2400" dirty="0" smtClean="0"/>
+          </a:p>
+          <a:p>
+            <a:pPr>
+              <a:lnSpc>
+                <a:spcPct val="110000"/>
+              </a:lnSpc>
+            </a:pPr>
+            <a:r>
+              <a:rPr kumimoji="1" lang="zh-CN" altLang="en-US" sz="2400" dirty="0"/>
+              <a:t>定制业务流程</a:t>
+            </a:r>
+            <a:endParaRPr kumimoji="1" lang="en-US" altLang="zh-CN" sz="2400" dirty="0"/>
+          </a:p>
+          <a:p>
+            <a:pPr>
+              <a:lnSpc>
+                <a:spcPct val="110000"/>
+              </a:lnSpc>
+            </a:pPr>
+            <a:r>
+              <a:rPr kumimoji="1" lang="zh-CN" altLang="en-US" sz="2400" dirty="0" smtClean="0"/>
+              <a:t>管理数据、消除数据孤岛</a:t>
+            </a:r>
+            <a:endParaRPr kumimoji="1" lang="en-US" altLang="zh-CN" sz="2400" dirty="0" smtClean="0"/>
+          </a:p>
+          <a:p>
+            <a:pPr>
+              <a:lnSpc>
+                <a:spcPct val="110000"/>
+              </a:lnSpc>
+            </a:pPr>
+            <a:r>
+              <a:rPr kumimoji="1" lang="zh-CN" altLang="en-US" sz="2400" dirty="0" smtClean="0"/>
+              <a:t>打造</a:t>
+            </a:r>
+            <a:r>
+              <a:rPr kumimoji="1" lang="en-US" altLang="zh-CN" sz="2400" dirty="0" smtClean="0"/>
+              <a:t>BI</a:t>
+            </a:r>
+          </a:p>
+          <a:p>
+            <a:pPr>
+              <a:lnSpc>
+                <a:spcPct val="110000"/>
+              </a:lnSpc>
+            </a:pPr>
+            <a:r>
+              <a:rPr kumimoji="1" lang="zh-CN" altLang="en-US" sz="2400" dirty="0" smtClean="0"/>
+              <a:t>运行监</a:t>
+            </a:r>
+            <a:r>
+              <a:rPr kumimoji="1" lang="zh-CN" altLang="en-US" sz="2400" dirty="0" smtClean="0"/>
+              <a:t>控</a:t>
+            </a:r>
+            <a:endParaRPr kumimoji="1" lang="en-US" altLang="zh-CN" sz="2400" dirty="0" smtClean="0"/>
+          </a:p>
+          <a:p>
+            <a:pPr>
+              <a:lnSpc>
+                <a:spcPct val="110000"/>
+              </a:lnSpc>
+            </a:pPr>
+            <a:r>
+              <a:rPr kumimoji="1" lang="zh-CN" altLang="en-US" sz="2400" dirty="0" smtClean="0"/>
+              <a:t>收集反馈（用户反馈、日志）</a:t>
+            </a:r>
+            <a:endParaRPr kumimoji="1" lang="en-US" altLang="zh-CN" sz="2400" dirty="0"/>
+          </a:p>
+          <a:p>
+            <a:endParaRPr kumimoji="1" lang="zh-CN" altLang="en-US" sz="2800" dirty="0"/>
+          </a:p>
+        </p:txBody>
+      </p:sp>
+      <p:pic>
+        <p:nvPicPr>
+          <p:cNvPr id="4" name="图片 3" descr="D:\project\TSS\waitwind.github.com\images\1.png"/>
+          <p:cNvPicPr/>
+          <p:nvPr/>
+        </p:nvPicPr>
+        <p:blipFill>
+          <a:blip r:embed="rId3" cstate="print"/>
+          <a:srcRect/>
+          <a:stretch>
+            <a:fillRect/>
+          </a:stretch>
+        </p:blipFill>
+        <p:spPr bwMode="auto">
+          <a:xfrm>
+            <a:off x="4859867" y="1659474"/>
+            <a:ext cx="4114800" cy="3742266"/>
+          </a:xfrm>
+          <a:prstGeom prst="rect">
+            <a:avLst/>
+          </a:prstGeom>
+          <a:noFill/>
+          <a:ln w="9525">
+            <a:noFill/>
+            <a:miter lim="800000"/>
+            <a:headEnd/>
+            <a:tailEnd/>
+          </a:ln>
+        </p:spPr>
+      </p:pic>
+      <p:sp>
+        <p:nvSpPr>
+          <p:cNvPr id="5" name="文本框 4"/>
+          <p:cNvSpPr txBox="1"/>
+          <p:nvPr/>
+        </p:nvSpPr>
+        <p:spPr>
+          <a:xfrm>
+            <a:off x="6011333" y="5589601"/>
+            <a:ext cx="2031325" cy="369332"/>
+          </a:xfrm>
+          <a:prstGeom prst="rect">
+            <a:avLst/>
+          </a:prstGeom>
+          <a:noFill/>
+        </p:spPr>
+        <p:txBody>
+          <a:bodyPr wrap="none" rtlCol="0">
+            <a:spAutoFit/>
+          </a:bodyPr>
+          <a:lstStyle/>
+          <a:p>
             <a:r>
               <a:rPr kumimoji="1" lang="zh-CN" altLang="en-US" dirty="0" smtClean="0"/>
-              <a:t>是一个数据</a:t>
-            </a:r>
-            <a:r>
-              <a:rPr kumimoji="1" lang="zh-CN" altLang="en-US" dirty="0"/>
-              <a:t>管理平台</a:t>
-            </a:r>
-            <a:r>
-              <a:rPr kumimoji="1" lang="zh-CN" altLang="en-US" dirty="0" smtClean="0"/>
-              <a:t>，可全方位管理数据的</a:t>
-            </a:r>
-            <a:r>
-              <a:rPr kumimoji="1" lang="zh-CN" altLang="en-US" dirty="0"/>
-              <a:t>生成、</a:t>
-            </a:r>
-            <a:r>
-              <a:rPr kumimoji="1" lang="zh-CN" altLang="en-US" dirty="0" smtClean="0"/>
-              <a:t>流转、</a:t>
-            </a:r>
-            <a:r>
-              <a:rPr kumimoji="1" lang="zh-CN" altLang="en-US" dirty="0"/>
-              <a:t>分析、呈现、感知、分发、共享</a:t>
-            </a:r>
-            <a:r>
-              <a:rPr kumimoji="1" lang="zh-CN" altLang="en-US" dirty="0" smtClean="0"/>
-              <a:t>。</a:t>
-            </a:r>
-            <a:endParaRPr kumimoji="1" lang="en-US" altLang="zh-CN" dirty="0" smtClean="0"/>
+              <a:t>企业信息化三要素</a:t>
+            </a:r>
+            <a:endParaRPr kumimoji="1" lang="zh-CN" altLang="en-US" dirty="0"/>
           </a:p>
         </p:txBody>
       </p:sp>
     </p:spTree>
     <p:extLst>
       <p:ext uri="{BB962C8B-B14F-4D97-AF65-F5344CB8AC3E}">
-        <p14:creationId xmlns:p14="http://schemas.microsoft.com/office/powerpoint/2010/main" val="3728901801"/>
+        <p14:creationId xmlns:p14="http://schemas.microsoft.com/office/powerpoint/2010/main" val="1285880938"/>
       </p:ext>
     </p:extLst>
   </p:cSld>
@@ -12348,60 +13437,35 @@
             </a:r>
             <a:r>
               <a:rPr kumimoji="1" lang="zh-CN" altLang="en-US" dirty="0" smtClean="0"/>
-              <a:t>的作用</a:t>
+              <a:t>数据管理</a:t>
             </a:r>
             <a:endParaRPr kumimoji="1" lang="zh-CN" altLang="en-US" dirty="0"/>
           </a:p>
         </p:txBody>
       </p:sp>
-      <p:sp>
-        <p:nvSpPr>
-          <p:cNvPr id="3" name="内容占位符 2"/>
-          <p:cNvSpPr>
-            <a:spLocks noGrp="1"/>
-          </p:cNvSpPr>
+      <p:pic>
+        <p:nvPicPr>
+          <p:cNvPr id="4" name="内容占位符 3"/>
+          <p:cNvPicPr>
+            <a:picLocks noGrp="1" noChangeAspect="1"/>
+          </p:cNvPicPr>
           <p:nvPr>
             <p:ph idx="1"/>
           </p:nvPr>
-        </p:nvSpPr>
+        </p:nvPicPr>
+        <p:blipFill>
+          <a:blip r:embed="rId3"/>
+          <a:srcRect l="2913" r="2913"/>
+          <a:stretch>
+            <a:fillRect/>
+          </a:stretch>
+        </p:blipFill>
         <p:spPr/>
-        <p:txBody>
-          <a:bodyPr/>
-          <a:lstStyle/>
-          <a:p>
-            <a:r>
-              <a:rPr kumimoji="1" lang="zh-CN" altLang="en-US" dirty="0" smtClean="0"/>
-              <a:t>数据管理：数据、数据流、数据产品</a:t>
-            </a:r>
-            <a:endParaRPr kumimoji="1" lang="en-US" altLang="zh-CN" dirty="0" smtClean="0"/>
-          </a:p>
-          <a:p>
-            <a:r>
-              <a:rPr kumimoji="1" lang="zh-CN" altLang="en-US" dirty="0" smtClean="0"/>
-              <a:t>整合，消除数据孤岛</a:t>
-            </a:r>
-            <a:endParaRPr kumimoji="1" lang="en-US" altLang="zh-CN" dirty="0" smtClean="0"/>
-          </a:p>
-          <a:p>
-            <a:r>
-              <a:rPr kumimoji="1" lang="zh-CN" altLang="en-US" dirty="0" smtClean="0"/>
-              <a:t>数字化管理：轨迹、复盘、预警</a:t>
-            </a:r>
-            <a:endParaRPr kumimoji="1" lang="en-US" altLang="zh-CN" dirty="0" smtClean="0"/>
-          </a:p>
-          <a:p>
-            <a:r>
-              <a:rPr kumimoji="1" lang="zh-CN" altLang="en-US" dirty="0" smtClean="0"/>
-              <a:t>仪表化管理：实时监控、看板</a:t>
-            </a:r>
-            <a:endParaRPr kumimoji="1" lang="zh-CN" altLang="en-US" dirty="0"/>
-          </a:p>
-        </p:txBody>
-      </p:sp>
+      </p:pic>
     </p:spTree>
     <p:extLst>
       <p:ext uri="{BB962C8B-B14F-4D97-AF65-F5344CB8AC3E}">
-        <p14:creationId xmlns:p14="http://schemas.microsoft.com/office/powerpoint/2010/main" val="1285880938"/>
+        <p14:creationId xmlns:p14="http://schemas.microsoft.com/office/powerpoint/2010/main" val="264709471"/>
       </p:ext>
     </p:extLst>
   </p:cSld>
@@ -12451,6 +13515,331 @@
           <a:lstStyle/>
           <a:p>
             <a:r>
+              <a:rPr kumimoji="1" lang="en-US" altLang="zh-CN" dirty="0" smtClean="0"/>
+              <a:t>TSS </a:t>
+            </a:r>
+            <a:r>
+              <a:rPr kumimoji="1" lang="zh-CN" altLang="en-US" dirty="0" smtClean="0"/>
+              <a:t>大数据</a:t>
+            </a:r>
+            <a:endParaRPr kumimoji="1" lang="zh-CN" altLang="en-US" dirty="0"/>
+          </a:p>
+        </p:txBody>
+      </p:sp>
+      <p:pic>
+        <p:nvPicPr>
+          <p:cNvPr id="5" name="内容占位符 4"/>
+          <p:cNvPicPr>
+            <a:picLocks noGrp="1" noChangeAspect="1"/>
+          </p:cNvPicPr>
+          <p:nvPr>
+            <p:ph idx="1"/>
+          </p:nvPr>
+        </p:nvPicPr>
+        <p:blipFill>
+          <a:blip r:embed="rId3"/>
+          <a:srcRect t="399" b="399"/>
+          <a:stretch>
+            <a:fillRect/>
+          </a:stretch>
+        </p:blipFill>
+        <p:spPr/>
+      </p:pic>
+    </p:spTree>
+    <p:extLst>
+      <p:ext uri="{BB962C8B-B14F-4D97-AF65-F5344CB8AC3E}">
+        <p14:creationId xmlns:p14="http://schemas.microsoft.com/office/powerpoint/2010/main" val="2192144926"/>
+      </p:ext>
+    </p:extLst>
+  </p:cSld>
+  <p:clrMapOvr>
+    <a:masterClrMapping/>
+  </p:clrMapOvr>
+  <p:timing>
+    <p:tnLst>
+      <p:par>
+        <p:cTn xmlns:p14="http://schemas.microsoft.com/office/powerpoint/2010/main" id="1" dur="indefinite" restart="never" nodeType="tmRoot"/>
+      </p:par>
+    </p:tnLst>
+  </p:timing>
+</p:sld>
+</file>
+
+<file path=ppt/slides/slide6.xml><?xml version="1.0" encoding="utf-8"?>
+<p:sld xmlns:a="http://schemas.openxmlformats.org/drawingml/2006/main" xmlns:r="http://schemas.openxmlformats.org/officeDocument/2006/relationships" xmlns:p="http://schemas.openxmlformats.org/presentationml/2006/main">
+  <p:cSld>
+    <p:spTree>
+      <p:nvGrpSpPr>
+        <p:cNvPr id="1" name=""/>
+        <p:cNvGrpSpPr/>
+        <p:nvPr/>
+      </p:nvGrpSpPr>
+      <p:grpSpPr>
+        <a:xfrm>
+          <a:off x="0" y="0"/>
+          <a:ext cx="0" cy="0"/>
+          <a:chOff x="0" y="0"/>
+          <a:chExt cx="0" cy="0"/>
+        </a:xfrm>
+      </p:grpSpPr>
+      <p:sp>
+        <p:nvSpPr>
+          <p:cNvPr id="2" name="标题 1"/>
+          <p:cNvSpPr>
+            <a:spLocks noGrp="1"/>
+          </p:cNvSpPr>
+          <p:nvPr>
+            <p:ph type="title"/>
+          </p:nvPr>
+        </p:nvSpPr>
+        <p:spPr/>
+        <p:txBody>
+          <a:bodyPr/>
+          <a:lstStyle/>
+          <a:p>
+            <a:r>
+              <a:rPr kumimoji="1" lang="en-US" altLang="zh-CN" dirty="0" smtClean="0"/>
+              <a:t>TSS </a:t>
+            </a:r>
+            <a:r>
+              <a:rPr kumimoji="1" lang="zh-CN" altLang="en-US" dirty="0" smtClean="0"/>
+              <a:t>与</a:t>
+            </a:r>
+            <a:r>
+              <a:rPr kumimoji="1" lang="en-US" altLang="zh-CN" dirty="0" smtClean="0"/>
+              <a:t> BI</a:t>
+            </a:r>
+            <a:endParaRPr kumimoji="1" lang="zh-CN" altLang="en-US" dirty="0"/>
+          </a:p>
+        </p:txBody>
+      </p:sp>
+      <p:sp>
+        <p:nvSpPr>
+          <p:cNvPr id="3" name="内容占位符 2"/>
+          <p:cNvSpPr>
+            <a:spLocks noGrp="1"/>
+          </p:cNvSpPr>
+          <p:nvPr>
+            <p:ph idx="1"/>
+          </p:nvPr>
+        </p:nvSpPr>
+        <p:spPr>
+          <a:xfrm>
+            <a:off x="457200" y="1600200"/>
+            <a:ext cx="8229600" cy="4525963"/>
+          </a:xfrm>
+        </p:spPr>
+        <p:txBody>
+          <a:bodyPr>
+            <a:normAutofit/>
+          </a:bodyPr>
+          <a:lstStyle/>
+          <a:p>
+            <a:pPr>
+              <a:lnSpc>
+                <a:spcPct val="120000"/>
+              </a:lnSpc>
+            </a:pPr>
+            <a:r>
+              <a:rPr kumimoji="1" lang="zh-CN" altLang="en-US" sz="2800" dirty="0" smtClean="0"/>
+              <a:t>百世快运</a:t>
+            </a:r>
+            <a:r>
+              <a:rPr kumimoji="1" lang="en-US" altLang="zh-CN" sz="2800" dirty="0" smtClean="0"/>
+              <a:t>BI</a:t>
+            </a:r>
+            <a:r>
+              <a:rPr kumimoji="1" lang="zh-CN" altLang="en-US" sz="2800" dirty="0"/>
+              <a:t>：</a:t>
+            </a:r>
+            <a:r>
+              <a:rPr kumimoji="1" lang="en-US" altLang="zh-CN" sz="2800" dirty="0" smtClean="0"/>
+              <a:t>1.0</a:t>
+            </a:r>
+            <a:r>
+              <a:rPr kumimoji="1" lang="en-US" altLang="en-US" sz="2800" dirty="0" smtClean="0"/>
+              <a:t>、2.0、3.0、</a:t>
+            </a:r>
+            <a:r>
+              <a:rPr kumimoji="1" lang="en-US" altLang="zh-CN" sz="2800" dirty="0" smtClean="0"/>
+              <a:t>4.0</a:t>
+            </a:r>
+          </a:p>
+          <a:p>
+            <a:pPr>
+              <a:lnSpc>
+                <a:spcPct val="120000"/>
+              </a:lnSpc>
+            </a:pPr>
+            <a:r>
+              <a:rPr kumimoji="1" lang="zh-CN" altLang="en-US" sz="2800" dirty="0"/>
+              <a:t>让数据随时随地、按需可</a:t>
+            </a:r>
+            <a:r>
+              <a:rPr kumimoji="1" lang="zh-CN" altLang="en-US" sz="2800" dirty="0" smtClean="0"/>
+              <a:t>得</a:t>
+            </a:r>
+            <a:endParaRPr kumimoji="1" lang="en-US" altLang="zh-CN" sz="2800" dirty="0" smtClean="0"/>
+          </a:p>
+          <a:p>
+            <a:pPr>
+              <a:lnSpc>
+                <a:spcPct val="120000"/>
+              </a:lnSpc>
+            </a:pPr>
+            <a:r>
+              <a:rPr kumimoji="1" lang="zh-CN" altLang="en-US" sz="2800" dirty="0" smtClean="0"/>
+              <a:t>体现</a:t>
+            </a:r>
+            <a:r>
+              <a:rPr kumimoji="1" lang="zh-CN" altLang="en-US" sz="2800" dirty="0" smtClean="0"/>
+              <a:t>管理思</a:t>
+            </a:r>
+            <a:r>
+              <a:rPr kumimoji="1" lang="zh-CN" altLang="en-US" sz="2800" dirty="0" smtClean="0"/>
+              <a:t>路</a:t>
+            </a:r>
+            <a:endParaRPr kumimoji="1" lang="en-US" altLang="zh-CN" sz="2800" dirty="0" smtClean="0"/>
+          </a:p>
+          <a:p>
+            <a:pPr>
+              <a:lnSpc>
+                <a:spcPct val="120000"/>
+              </a:lnSpc>
+            </a:pPr>
+            <a:r>
+              <a:rPr kumimoji="1" lang="zh-CN" altLang="en-US" sz="2800" dirty="0" smtClean="0"/>
+              <a:t>固化</a:t>
+            </a:r>
+            <a:r>
+              <a:rPr kumimoji="1" lang="zh-CN" altLang="en-US" sz="2800" dirty="0" smtClean="0"/>
+              <a:t>操作</a:t>
+            </a:r>
+            <a:r>
+              <a:rPr kumimoji="1" lang="zh-CN" altLang="en-US" sz="2800" dirty="0" smtClean="0"/>
+              <a:t>流</a:t>
+            </a:r>
+            <a:r>
+              <a:rPr kumimoji="1" lang="zh-CN" altLang="en-US" sz="2800" dirty="0" smtClean="0"/>
+              <a:t>程</a:t>
+            </a:r>
+            <a:endParaRPr kumimoji="1" lang="en-US" altLang="zh-CN" sz="2800" dirty="0" smtClean="0"/>
+          </a:p>
+          <a:p>
+            <a:pPr>
+              <a:lnSpc>
+                <a:spcPct val="120000"/>
+              </a:lnSpc>
+            </a:pPr>
+            <a:r>
+              <a:rPr kumimoji="1" lang="zh-CN" altLang="en-US" sz="2800" dirty="0" smtClean="0"/>
+              <a:t>数字化管理：轨迹、复盘、预警</a:t>
+            </a:r>
+            <a:endParaRPr kumimoji="1" lang="en-US" altLang="zh-CN" sz="2800" dirty="0" smtClean="0"/>
+          </a:p>
+          <a:p>
+            <a:pPr>
+              <a:lnSpc>
+                <a:spcPct val="120000"/>
+              </a:lnSpc>
+            </a:pPr>
+            <a:r>
+              <a:rPr kumimoji="1" lang="zh-CN" altLang="en-US" sz="2800" dirty="0" smtClean="0"/>
+              <a:t>仪表化管理：实时监控、看板</a:t>
+            </a:r>
+            <a:endParaRPr kumimoji="1" lang="en-US" altLang="zh-CN" sz="2800" dirty="0" smtClean="0"/>
+          </a:p>
+          <a:p>
+            <a:pPr>
+              <a:lnSpc>
+                <a:spcPct val="120000"/>
+              </a:lnSpc>
+            </a:pPr>
+            <a:r>
+              <a:rPr lang="zh-CN" altLang="en-US" sz="2800" dirty="0"/>
+              <a:t>失</a:t>
+            </a:r>
+            <a:r>
+              <a:rPr lang="zh-CN" altLang="en-US" sz="2800" dirty="0" smtClean="0"/>
+              <a:t>控的网络</a:t>
+            </a:r>
+            <a:r>
+              <a:rPr lang="zh-CN" altLang="zh-CN" sz="2800" dirty="0"/>
+              <a:t>、</a:t>
+            </a:r>
+            <a:r>
+              <a:rPr lang="zh-CN" altLang="en-US" sz="2800" dirty="0" smtClean="0"/>
+              <a:t>黑</a:t>
+            </a:r>
+            <a:r>
+              <a:rPr lang="zh-CN" altLang="en-US" sz="2800" dirty="0"/>
+              <a:t>洞 </a:t>
+            </a:r>
+            <a:r>
+              <a:rPr lang="en-US" altLang="zh-CN" sz="2800" dirty="0"/>
+              <a:t>—&gt; </a:t>
+            </a:r>
+            <a:r>
+              <a:rPr lang="zh-CN" altLang="en-US" sz="2800" dirty="0"/>
+              <a:t>透明、可控、实时</a:t>
+            </a:r>
+            <a:endParaRPr kumimoji="1" lang="zh-CN" altLang="en-US" sz="2800" dirty="0"/>
+          </a:p>
+        </p:txBody>
+      </p:sp>
+    </p:spTree>
+    <p:extLst>
+      <p:ext uri="{BB962C8B-B14F-4D97-AF65-F5344CB8AC3E}">
+        <p14:creationId xmlns:p14="http://schemas.microsoft.com/office/powerpoint/2010/main" val="3749821765"/>
+      </p:ext>
+    </p:extLst>
+  </p:cSld>
+  <p:clrMapOvr>
+    <a:masterClrMapping/>
+  </p:clrMapOvr>
+  <p:timing>
+    <p:tnLst>
+      <p:par>
+        <p:cTn xmlns:p14="http://schemas.microsoft.com/office/powerpoint/2010/main" id="1" dur="indefinite" restart="never" nodeType="tmRoot"/>
+      </p:par>
+    </p:tnLst>
+  </p:timing>
+</p:sld>
+</file>
+
+<file path=ppt/slides/slide7.xml><?xml version="1.0" encoding="utf-8"?>
+<p:sld xmlns:a="http://schemas.openxmlformats.org/drawingml/2006/main" xmlns:r="http://schemas.openxmlformats.org/officeDocument/2006/relationships" xmlns:p="http://schemas.openxmlformats.org/presentationml/2006/main">
+  <p:cSld>
+    <p:spTree>
+      <p:nvGrpSpPr>
+        <p:cNvPr id="1" name=""/>
+        <p:cNvGrpSpPr/>
+        <p:nvPr/>
+      </p:nvGrpSpPr>
+      <p:grpSpPr>
+        <a:xfrm>
+          <a:off x="0" y="0"/>
+          <a:ext cx="0" cy="0"/>
+          <a:chOff x="0" y="0"/>
+          <a:chExt cx="0" cy="0"/>
+        </a:xfrm>
+      </p:grpSpPr>
+      <p:sp>
+        <p:nvSpPr>
+          <p:cNvPr id="2" name="标题 1"/>
+          <p:cNvSpPr>
+            <a:spLocks noGrp="1"/>
+          </p:cNvSpPr>
+          <p:nvPr>
+            <p:ph type="title"/>
+          </p:nvPr>
+        </p:nvSpPr>
+        <p:spPr/>
+        <p:txBody>
+          <a:bodyPr/>
+          <a:lstStyle/>
+          <a:p>
+            <a:r>
               <a:rPr kumimoji="1" lang="zh-CN" altLang="en-US" dirty="0" smtClean="0"/>
               <a:t>数据分析是一种过程</a:t>
             </a:r>
@@ -12468,14 +13857,17 @@
             <p:ph idx="1"/>
           </p:nvPr>
         </p:nvPicPr>
-        <p:blipFill>
+        <p:blipFill rotWithShape="1">
           <a:blip r:embed="rId3"/>
-          <a:srcRect t="1758" b="1758"/>
-          <a:stretch>
-            <a:fillRect/>
-          </a:stretch>
+          <a:srcRect l="1851" t="24727" r="1647" b="7047"/>
+          <a:stretch/>
         </p:blipFill>
-        <p:spPr/>
+        <p:spPr>
+          <a:xfrm>
+            <a:off x="609600" y="2336800"/>
+            <a:ext cx="7941733" cy="3623733"/>
+          </a:xfrm>
+        </p:spPr>
       </p:pic>
     </p:spTree>
     <p:extLst>
@@ -12497,7 +13889,7 @@
 </p:sld>
 </file>
 
-<file path=ppt/slides/slide6.xml><?xml version="1.0" encoding="utf-8"?>
+<file path=ppt/slides/slide8.xml><?xml version="1.0" encoding="utf-8"?>
 <p:sld xmlns:a="http://schemas.openxmlformats.org/drawingml/2006/main" xmlns:r="http://schemas.openxmlformats.org/officeDocument/2006/relationships" xmlns:p="http://schemas.openxmlformats.org/presentationml/2006/main">
   <p:cSld>
     <p:spTree>
@@ -12597,7 +13989,7 @@
           <p:nvPr>
             <p:extLst>
               <p:ext uri="{D42A27DB-BD31-4B8C-83A1-F6EECF244321}">
-                <p14:modId xmlns:p14="http://schemas.microsoft.com/office/powerpoint/2010/main" val="2684707891"/>
+                <p14:modId xmlns:p14="http://schemas.microsoft.com/office/powerpoint/2010/main" val="84484443"/>
               </p:ext>
             </p:extLst>
           </p:nvPr>
@@ -12632,7 +14024,7 @@
 </p:sld>
 </file>
 
-<file path=ppt/slides/slide7.xml><?xml version="1.0" encoding="utf-8"?>
+<file path=ppt/slides/slide9.xml><?xml version="1.0" encoding="utf-8"?>
 <p:sld xmlns:a="http://schemas.openxmlformats.org/drawingml/2006/main" xmlns:r="http://schemas.openxmlformats.org/officeDocument/2006/relationships" xmlns:p="http://schemas.openxmlformats.org/presentationml/2006/main">
   <p:cSld>
     <p:spTree>
@@ -12665,11 +14057,15 @@
           <a:lstStyle/>
           <a:p>
             <a:r>
-              <a:rPr lang="zh-TW" altLang="en-US" dirty="0"/>
+              <a:rPr lang="zh-TW" altLang="en-US" dirty="0" smtClean="0"/>
               <a:t>在</a:t>
             </a:r>
             <a:r>
-              <a:rPr lang="en-US" altLang="zh-TW" dirty="0" err="1"/>
+              <a:rPr lang="en-US" altLang="zh-CN" dirty="0" err="1" smtClean="0"/>
+              <a:t>www.</a:t>
+            </a:r>
+            <a:r>
+              <a:rPr lang="en-US" altLang="zh-TW" dirty="0" err="1" smtClean="0"/>
               <a:t>boubei.com</a:t>
             </a:r>
             <a:r>
@@ -12692,74 +14088,116 @@
         </p:nvSpPr>
         <p:spPr/>
         <p:txBody>
-          <a:bodyPr/>
+          <a:bodyPr>
+            <a:normAutofit/>
+          </a:bodyPr>
           <a:lstStyle/>
           <a:p>
-            <a:r>
-              <a:rPr kumimoji="1" lang="en-US" altLang="zh-CN" dirty="0" smtClean="0"/>
+            <a:pPr>
+              <a:lnSpc>
+                <a:spcPct val="120000"/>
+              </a:lnSpc>
+            </a:pPr>
+            <a:r>
+              <a:rPr kumimoji="1" lang="en-US" altLang="zh-CN" sz="2800" dirty="0" smtClean="0"/>
               <a:t>TSS</a:t>
             </a:r>
             <a:r>
-              <a:rPr kumimoji="1" lang="zh-CN" altLang="en-US" dirty="0" smtClean="0"/>
+              <a:rPr kumimoji="1" lang="zh-CN" altLang="en-US" sz="2800" dirty="0" smtClean="0"/>
               <a:t> </a:t>
             </a:r>
             <a:r>
-              <a:rPr kumimoji="1" lang="en-US" altLang="zh-CN" dirty="0" smtClean="0"/>
+              <a:rPr kumimoji="1" lang="en-US" altLang="zh-CN" sz="2800" dirty="0" smtClean="0"/>
               <a:t>FAQ</a:t>
             </a:r>
             <a:r>
-              <a:rPr kumimoji="1" lang="zh-CN" altLang="en-US" dirty="0" smtClean="0"/>
+              <a:rPr kumimoji="1" lang="zh-CN" altLang="en-US" sz="2800" dirty="0" smtClean="0"/>
               <a:t>：常见问题及解决办法</a:t>
             </a:r>
-            <a:endParaRPr kumimoji="1" lang="en-US" altLang="zh-CN" dirty="0" smtClean="0"/>
-          </a:p>
-          <a:p>
-            <a:r>
-              <a:rPr kumimoji="1" lang="en-US" altLang="zh-CN" dirty="0" smtClean="0"/>
+            <a:endParaRPr kumimoji="1" lang="en-US" altLang="zh-CN" sz="2800" dirty="0" smtClean="0"/>
+          </a:p>
+          <a:p>
+            <a:pPr>
+              <a:lnSpc>
+                <a:spcPct val="120000"/>
+              </a:lnSpc>
+            </a:pPr>
+            <a:r>
+              <a:rPr kumimoji="1" lang="en-US" altLang="zh-CN" sz="2800" dirty="0" smtClean="0"/>
               <a:t>TSS</a:t>
             </a:r>
             <a:r>
-              <a:rPr kumimoji="1" lang="zh-CN" altLang="en-US" dirty="0" smtClean="0"/>
+              <a:rPr kumimoji="1" lang="zh-CN" altLang="en-US" sz="2800" dirty="0" smtClean="0"/>
               <a:t> </a:t>
             </a:r>
             <a:r>
-              <a:rPr kumimoji="1" lang="en-US" altLang="zh-CN" dirty="0" smtClean="0"/>
+              <a:rPr kumimoji="1" lang="en-US" altLang="zh-CN" sz="2800" dirty="0" smtClean="0"/>
               <a:t>API </a:t>
             </a:r>
             <a:r>
-              <a:rPr kumimoji="1" lang="en-US" altLang="en-US" dirty="0" smtClean="0"/>
+              <a:rPr kumimoji="1" lang="en-US" altLang="en-US" sz="2800" dirty="0" smtClean="0"/>
               <a:t>接口</a:t>
             </a:r>
             <a:r>
-              <a:rPr kumimoji="1" lang="zh-CN" altLang="en-US" dirty="0" smtClean="0"/>
+              <a:rPr kumimoji="1" lang="zh-CN" altLang="en-US" sz="2800" dirty="0" smtClean="0"/>
               <a:t>说明</a:t>
             </a:r>
-            <a:endParaRPr kumimoji="1" lang="en-US" altLang="en-US" dirty="0" smtClean="0"/>
-          </a:p>
-          <a:p>
-            <a:r>
-              <a:rPr kumimoji="1" lang="en-US" altLang="en-US" dirty="0" err="1" smtClean="0"/>
-              <a:t>tssJS方法说明</a:t>
-            </a:r>
-            <a:endParaRPr kumimoji="1" lang="en-US" altLang="en-US" dirty="0" smtClean="0"/>
-          </a:p>
-          <a:p>
-            <a:r>
-              <a:rPr kumimoji="1" lang="en-US" altLang="zh-CN" dirty="0"/>
+            <a:endParaRPr kumimoji="1" lang="en-US" altLang="en-US" sz="2800" dirty="0" smtClean="0"/>
+          </a:p>
+          <a:p>
+            <a:pPr>
+              <a:lnSpc>
+                <a:spcPct val="120000"/>
+              </a:lnSpc>
+            </a:pPr>
+            <a:r>
+              <a:rPr kumimoji="1" lang="en-US" altLang="en-US" sz="2800" dirty="0" err="1" smtClean="0"/>
+              <a:t>tssJS</a:t>
+            </a:r>
+            <a:r>
+              <a:rPr kumimoji="1" lang="zh-CN" altLang="en-US" sz="2800" dirty="0" smtClean="0"/>
+              <a:t> </a:t>
+            </a:r>
+            <a:r>
+              <a:rPr kumimoji="1" lang="en-US" altLang="en-US" sz="2800" dirty="0" smtClean="0"/>
+              <a:t>方法</a:t>
+            </a:r>
+            <a:r>
+              <a:rPr kumimoji="1" lang="en-US" altLang="en-US" sz="2800" dirty="0" smtClean="0"/>
+              <a:t>说明</a:t>
+            </a:r>
+          </a:p>
+          <a:p>
+            <a:pPr>
+              <a:lnSpc>
+                <a:spcPct val="120000"/>
+              </a:lnSpc>
+            </a:pPr>
+            <a:r>
+              <a:rPr kumimoji="1" lang="en-US" altLang="zh-CN" sz="2800" dirty="0"/>
               <a:t>TSS</a:t>
             </a:r>
             <a:r>
-              <a:rPr kumimoji="1" lang="zh-CN" altLang="en-US" dirty="0"/>
+              <a:rPr kumimoji="1" lang="zh-CN" altLang="en-US" sz="2800" dirty="0"/>
               <a:t>用户操作手册</a:t>
             </a:r>
-            <a:endParaRPr kumimoji="1" lang="en-US" altLang="en-US" dirty="0" smtClean="0"/>
-          </a:p>
-          <a:p>
-            <a:r>
-              <a:rPr kumimoji="1" lang="zh-CN" altLang="en-US" dirty="0" smtClean="0"/>
+            <a:endParaRPr kumimoji="1" lang="en-US" altLang="en-US" sz="2800" dirty="0" smtClean="0"/>
+          </a:p>
+          <a:p>
+            <a:pPr>
+              <a:lnSpc>
+                <a:spcPct val="120000"/>
+              </a:lnSpc>
+            </a:pPr>
+            <a:r>
+              <a:rPr kumimoji="1" lang="en-US" altLang="zh-CN" sz="2800" dirty="0" smtClean="0"/>
+              <a:t>BI</a:t>
+            </a:r>
+            <a:r>
+              <a:rPr kumimoji="1" lang="zh-CN" altLang="en-US" sz="2800" dirty="0" smtClean="0"/>
               <a:t>案例</a:t>
             </a:r>
-            <a:endParaRPr kumimoji="1" lang="zh-CN" altLang="en-US" dirty="0"/>
+            <a:endParaRPr kumimoji="1" lang="en-US" altLang="zh-CN" sz="2800" dirty="0" smtClean="0"/>
           </a:p>
         </p:txBody>
       </p:sp>
@@ -12773,6 +14211,13 @@
   <p:clrMapOvr>
     <a:masterClrMapping/>
   </p:clrMapOvr>
+  <p:timing>
+    <p:tnLst>
+      <p:par>
+        <p:cTn xmlns:p14="http://schemas.microsoft.com/office/powerpoint/2010/main" id="1" dur="indefinite" restart="never" nodeType="tmRoot"/>
+      </p:par>
+    </p:tnLst>
+  </p:timing>
 </p:sld>
 </file>
 
